--- a/PPT_DRL.pptx
+++ b/PPT_DRL.pptx
@@ -5,37 +5,34 @@
     <p:sldMasterId id="2147483648" r:id="rId1"/>
   </p:sldMasterIdLst>
   <p:notesMasterIdLst>
-    <p:notesMasterId r:id="rId30"/>
+    <p:notesMasterId r:id="rId27"/>
   </p:notesMasterIdLst>
   <p:sldIdLst>
     <p:sldId id="256" r:id="rId2"/>
     <p:sldId id="257" r:id="rId3"/>
     <p:sldId id="258" r:id="rId4"/>
     <p:sldId id="271" r:id="rId5"/>
-    <p:sldId id="272" r:id="rId6"/>
-    <p:sldId id="273" r:id="rId7"/>
-    <p:sldId id="274" r:id="rId8"/>
-    <p:sldId id="275" r:id="rId9"/>
-    <p:sldId id="276" r:id="rId10"/>
-    <p:sldId id="277" r:id="rId11"/>
-    <p:sldId id="278" r:id="rId12"/>
-    <p:sldId id="279" r:id="rId13"/>
-    <p:sldId id="265" r:id="rId14"/>
-    <p:sldId id="259" r:id="rId15"/>
-    <p:sldId id="266" r:id="rId16"/>
-    <p:sldId id="267" r:id="rId17"/>
-    <p:sldId id="268" r:id="rId18"/>
-    <p:sldId id="269" r:id="rId19"/>
-    <p:sldId id="270" r:id="rId20"/>
-    <p:sldId id="260" r:id="rId21"/>
-    <p:sldId id="280" r:id="rId22"/>
-    <p:sldId id="281" r:id="rId23"/>
-    <p:sldId id="282" r:id="rId24"/>
-    <p:sldId id="283" r:id="rId25"/>
-    <p:sldId id="261" r:id="rId26"/>
-    <p:sldId id="284" r:id="rId27"/>
-    <p:sldId id="285" r:id="rId28"/>
-    <p:sldId id="286" r:id="rId29"/>
+    <p:sldId id="273" r:id="rId6"/>
+    <p:sldId id="274" r:id="rId7"/>
+    <p:sldId id="276" r:id="rId8"/>
+    <p:sldId id="277" r:id="rId9"/>
+    <p:sldId id="279" r:id="rId10"/>
+    <p:sldId id="265" r:id="rId11"/>
+    <p:sldId id="259" r:id="rId12"/>
+    <p:sldId id="266" r:id="rId13"/>
+    <p:sldId id="267" r:id="rId14"/>
+    <p:sldId id="268" r:id="rId15"/>
+    <p:sldId id="269" r:id="rId16"/>
+    <p:sldId id="270" r:id="rId17"/>
+    <p:sldId id="260" r:id="rId18"/>
+    <p:sldId id="280" r:id="rId19"/>
+    <p:sldId id="281" r:id="rId20"/>
+    <p:sldId id="282" r:id="rId21"/>
+    <p:sldId id="283" r:id="rId22"/>
+    <p:sldId id="261" r:id="rId23"/>
+    <p:sldId id="284" r:id="rId24"/>
+    <p:sldId id="285" r:id="rId25"/>
+    <p:sldId id="286" r:id="rId26"/>
   </p:sldIdLst>
   <p:sldSz cx="12192000" cy="6858000"/>
   <p:notesSz cx="6858000" cy="9144000"/>
@@ -134,6 +131,11 @@
       </a:defRPr>
     </a:lvl9pPr>
   </p:defaultTextStyle>
+  <p:extLst>
+    <p:ext uri="{EFAFB233-063F-42B5-8137-9DF3F51BA10A}">
+      <p15:sldGuideLst xmlns:p15="http://schemas.microsoft.com/office/powerpoint/2012/main"/>
+    </p:ext>
+  </p:extLst>
 </p:presentation>
 </file>
 
@@ -219,7 +221,7 @@
           <a:p>
             <a:fld id="{799546F8-97D5-4632-8CA8-AD94260F8B10}" type="datetimeFigureOut">
               <a:rPr lang="fr-FR" smtClean="0"/>
-              <a:t>26/07/2021</a:t>
+              <a:t>27/07/2021</a:t>
             </a:fld>
             <a:endParaRPr lang="fr-FR"/>
           </a:p>
@@ -672,7 +674,7 @@
           <a:p>
             <a:fld id="{E7EF0CBE-BD1F-406A-A512-F6493EEA0B5C}" type="datetime1">
               <a:rPr lang="en-US" smtClean="0"/>
-              <a:t>7/26/2021</a:t>
+              <a:t>7/27/2021</a:t>
             </a:fld>
             <a:endParaRPr lang="en-US" dirty="0"/>
           </a:p>
@@ -942,7 +944,7 @@
           <a:p>
             <a:fld id="{C2A58C18-E2EA-472F-8FB3-CE3F239B3A0A}" type="datetime1">
               <a:rPr lang="en-US" smtClean="0"/>
-              <a:t>7/26/2021</a:t>
+              <a:t>7/27/2021</a:t>
             </a:fld>
             <a:endParaRPr lang="en-US" dirty="0"/>
           </a:p>
@@ -1131,7 +1133,7 @@
           <a:p>
             <a:fld id="{B59F5AF1-BB8F-4D1F-8AE0-A2D5AF243B9C}" type="datetime1">
               <a:rPr lang="en-US" smtClean="0"/>
-              <a:t>7/26/2021</a:t>
+              <a:t>7/27/2021</a:t>
             </a:fld>
             <a:endParaRPr lang="en-US" dirty="0"/>
           </a:p>
@@ -1399,7 +1401,7 @@
           <a:p>
             <a:fld id="{AE198D86-50BD-43B1-B568-F37CB3E85EDC}" type="datetime1">
               <a:rPr lang="en-US" smtClean="0"/>
-              <a:t>7/26/2021</a:t>
+              <a:t>7/27/2021</a:t>
             </a:fld>
             <a:endParaRPr lang="en-US" dirty="0"/>
           </a:p>
@@ -1735,7 +1737,7 @@
           <a:p>
             <a:fld id="{8DF4EE5A-1C0A-48B1-88F8-182B60F0AE84}" type="datetime1">
               <a:rPr lang="en-US" smtClean="0"/>
-              <a:t>7/26/2021</a:t>
+              <a:t>7/27/2021</a:t>
             </a:fld>
             <a:endParaRPr lang="en-US" dirty="0"/>
           </a:p>
@@ -2353,7 +2355,7 @@
           <a:p>
             <a:fld id="{5D327459-9C43-41EB-A37F-600828CFC2A3}" type="datetime1">
               <a:rPr lang="en-US" smtClean="0"/>
-              <a:t>7/26/2021</a:t>
+              <a:t>7/27/2021</a:t>
             </a:fld>
             <a:endParaRPr lang="en-US" dirty="0"/>
           </a:p>
@@ -3208,7 +3210,7 @@
           <a:p>
             <a:fld id="{F411B412-1C92-4E81-BDAB-4394EFA40248}" type="datetime1">
               <a:rPr lang="en-US" smtClean="0"/>
-              <a:t>7/26/2021</a:t>
+              <a:t>7/27/2021</a:t>
             </a:fld>
             <a:endParaRPr lang="en-US" dirty="0"/>
           </a:p>
@@ -3373,7 +3375,7 @@
           <a:p>
             <a:fld id="{CC2EFD98-5A17-4072-A85D-F470B821B56B}" type="datetime1">
               <a:rPr lang="en-US" smtClean="0"/>
-              <a:t>7/26/2021</a:t>
+              <a:t>7/27/2021</a:t>
             </a:fld>
             <a:endParaRPr lang="en-US" dirty="0"/>
           </a:p>
@@ -3548,7 +3550,7 @@
           <a:p>
             <a:fld id="{21667002-63C4-4865-9B6F-5D464078E2DD}" type="datetime1">
               <a:rPr lang="en-US" smtClean="0"/>
-              <a:t>7/26/2021</a:t>
+              <a:t>7/27/2021</a:t>
             </a:fld>
             <a:endParaRPr lang="en-US" dirty="0"/>
           </a:p>
@@ -3713,7 +3715,7 @@
           <a:p>
             <a:fld id="{4CE249A9-4094-4304-8059-86BAAA8DC7C0}" type="datetime1">
               <a:rPr lang="en-US" smtClean="0"/>
-              <a:t>7/26/2021</a:t>
+              <a:t>7/27/2021</a:t>
             </a:fld>
             <a:endParaRPr lang="en-US" dirty="0"/>
           </a:p>
@@ -3955,7 +3957,7 @@
           <a:p>
             <a:fld id="{2A5BE2C4-5E7B-49F3-9953-B78EEB9B04D0}" type="datetime1">
               <a:rPr lang="en-US" smtClean="0"/>
-              <a:t>7/26/2021</a:t>
+              <a:t>7/27/2021</a:t>
             </a:fld>
             <a:endParaRPr lang="en-US" dirty="0"/>
           </a:p>
@@ -4242,7 +4244,7 @@
           <a:p>
             <a:fld id="{D4D65398-2C59-4BB8-8B6C-DACF504BBB66}" type="datetime1">
               <a:rPr lang="en-US" smtClean="0"/>
-              <a:t>7/26/2021</a:t>
+              <a:t>7/27/2021</a:t>
             </a:fld>
             <a:endParaRPr lang="en-US" dirty="0"/>
           </a:p>
@@ -4681,7 +4683,7 @@
           <a:p>
             <a:fld id="{37D30813-81EF-4C57-941E-193AA3A5BBB4}" type="datetime1">
               <a:rPr lang="en-US" smtClean="0"/>
-              <a:t>7/26/2021</a:t>
+              <a:t>7/27/2021</a:t>
             </a:fld>
             <a:endParaRPr lang="en-US" dirty="0"/>
           </a:p>
@@ -4794,7 +4796,7 @@
           <a:p>
             <a:fld id="{95036D51-103E-4635-9A56-78B9B74F565A}" type="datetime1">
               <a:rPr lang="en-US" smtClean="0"/>
-              <a:t>7/26/2021</a:t>
+              <a:t>7/27/2021</a:t>
             </a:fld>
             <a:endParaRPr lang="en-US" dirty="0"/>
           </a:p>
@@ -4884,7 +4886,7 @@
           <a:p>
             <a:fld id="{63DFB2A1-A6D0-45E5-A076-4F83DB1D7EFF}" type="datetime1">
               <a:rPr lang="en-US" smtClean="0"/>
-              <a:t>7/26/2021</a:t>
+              <a:t>7/27/2021</a:t>
             </a:fld>
             <a:endParaRPr lang="en-US" dirty="0"/>
           </a:p>
@@ -5158,7 +5160,7 @@
           <a:p>
             <a:fld id="{5AA0BEB8-649D-419E-A99A-BFFB670135BC}" type="datetime1">
               <a:rPr lang="en-US" smtClean="0"/>
-              <a:t>7/26/2021</a:t>
+              <a:t>7/27/2021</a:t>
             </a:fld>
             <a:endParaRPr lang="en-US" dirty="0"/>
           </a:p>
@@ -5428,7 +5430,7 @@
           <a:p>
             <a:fld id="{FDF9EF18-B985-4FBC-8810-20217C0EBED2}" type="datetime1">
               <a:rPr lang="en-US" smtClean="0"/>
-              <a:t>7/26/2021</a:t>
+              <a:t>7/27/2021</a:t>
             </a:fld>
             <a:endParaRPr lang="en-US" dirty="0"/>
           </a:p>
@@ -5852,7 +5854,7 @@
           <a:p>
             <a:fld id="{FD5A2877-BE4B-4DA3-8513-AD034CF60E4A}" type="datetime1">
               <a:rPr lang="en-US" smtClean="0"/>
-              <a:t>7/26/2021</a:t>
+              <a:t>7/27/2021</a:t>
             </a:fld>
             <a:endParaRPr lang="en-US" dirty="0"/>
           </a:p>
@@ -6543,564 +6545,6 @@
           <p:cNvPr id="2" name="Titre 1">
             <a:extLst>
               <a:ext uri="{FF2B5EF4-FFF2-40B4-BE49-F238E27FC236}">
-                <a16:creationId xmlns:a16="http://schemas.microsoft.com/office/drawing/2014/main" id="{8B52B5D7-B233-4050-8773-F4E1A24FE02A}"/>
-              </a:ext>
-            </a:extLst>
-          </p:cNvPr>
-          <p:cNvSpPr>
-            <a:spLocks noGrp="1"/>
-          </p:cNvSpPr>
-          <p:nvPr>
-            <p:ph type="title"/>
-          </p:nvPr>
-        </p:nvSpPr>
-        <p:spPr/>
-        <p:txBody>
-          <a:bodyPr/>
-          <a:lstStyle/>
-          <a:p>
-            <a:pPr algn="ctr"/>
-            <a:r>
-              <a:rPr lang="fr-FR" dirty="0"/>
-              <a:t>Dynamic </a:t>
-            </a:r>
-            <a:r>
-              <a:rPr lang="fr-FR" dirty="0" err="1"/>
-              <a:t>Programming</a:t>
-            </a:r>
-            <a:br>
-              <a:rPr lang="fr-FR" dirty="0"/>
-            </a:br>
-            <a:endParaRPr lang="fr-FR" dirty="0"/>
-          </a:p>
-        </p:txBody>
-      </p:sp>
-      <p:sp>
-        <p:nvSpPr>
-          <p:cNvPr id="7" name="Espace réservé du contenu 2">
-            <a:extLst>
-              <a:ext uri="{FF2B5EF4-FFF2-40B4-BE49-F238E27FC236}">
-                <a16:creationId xmlns:a16="http://schemas.microsoft.com/office/drawing/2014/main" id="{40C603D4-16AD-4DA5-BB05-530D6445D39D}"/>
-              </a:ext>
-            </a:extLst>
-          </p:cNvPr>
-          <p:cNvSpPr>
-            <a:spLocks noGrp="1"/>
-          </p:cNvSpPr>
-          <p:nvPr>
-            <p:ph idx="1"/>
-          </p:nvPr>
-        </p:nvSpPr>
-        <p:spPr>
-          <a:xfrm>
-            <a:off x="3971908" y="1448680"/>
-            <a:ext cx="4248183" cy="1980320"/>
-          </a:xfrm>
-        </p:spPr>
-        <p:txBody>
-          <a:bodyPr/>
-          <a:lstStyle/>
-          <a:p>
-            <a:r>
-              <a:rPr lang="fr-FR" dirty="0"/>
-              <a:t>Policy </a:t>
-            </a:r>
-            <a:r>
-              <a:rPr lang="fr-FR" dirty="0" err="1"/>
-              <a:t>evaluation</a:t>
-            </a:r>
-            <a:endParaRPr lang="fr-FR" dirty="0"/>
-          </a:p>
-          <a:p>
-            <a:pPr lvl="1"/>
-            <a:r>
-              <a:rPr lang="fr-FR" dirty="0"/>
-              <a:t>Secret </a:t>
-            </a:r>
-            <a:r>
-              <a:rPr lang="fr-FR" dirty="0" err="1"/>
-              <a:t>env</a:t>
-            </a:r>
-            <a:r>
-              <a:rPr lang="fr-FR" dirty="0"/>
-              <a:t> 1</a:t>
-            </a:r>
-          </a:p>
-          <a:p>
-            <a:pPr lvl="2"/>
-            <a:r>
-              <a:rPr lang="fr-FR" dirty="0"/>
-              <a:t>Gamma 1,0</a:t>
-            </a:r>
-          </a:p>
-          <a:p>
-            <a:pPr lvl="2"/>
-            <a:r>
-              <a:rPr lang="fr-FR" dirty="0" err="1"/>
-              <a:t>Theta</a:t>
-            </a:r>
-            <a:r>
-              <a:rPr lang="fr-FR" dirty="0"/>
-              <a:t> 0,001</a:t>
-            </a:r>
-          </a:p>
-          <a:p>
-            <a:pPr lvl="2"/>
-            <a:r>
-              <a:rPr lang="fr-FR" dirty="0"/>
-              <a:t>% de </a:t>
-            </a:r>
-            <a:r>
-              <a:rPr lang="fr-FR" dirty="0" err="1"/>
-              <a:t>win</a:t>
-            </a:r>
-            <a:endParaRPr lang="fr-FR" dirty="0"/>
-          </a:p>
-          <a:p>
-            <a:pPr lvl="1"/>
-            <a:endParaRPr lang="fr-FR" dirty="0"/>
-          </a:p>
-          <a:p>
-            <a:endParaRPr lang="fr-FR" dirty="0"/>
-          </a:p>
-        </p:txBody>
-      </p:sp>
-      <p:sp>
-        <p:nvSpPr>
-          <p:cNvPr id="3" name="Espace réservé du numéro de diapositive 2">
-            <a:extLst>
-              <a:ext uri="{FF2B5EF4-FFF2-40B4-BE49-F238E27FC236}">
-                <a16:creationId xmlns:a16="http://schemas.microsoft.com/office/drawing/2014/main" id="{697DEB02-E8CA-422F-B77F-0F2CB716B5BF}"/>
-              </a:ext>
-            </a:extLst>
-          </p:cNvPr>
-          <p:cNvSpPr>
-            <a:spLocks noGrp="1"/>
-          </p:cNvSpPr>
-          <p:nvPr>
-            <p:ph type="sldNum" sz="quarter" idx="12"/>
-          </p:nvPr>
-        </p:nvSpPr>
-        <p:spPr/>
-        <p:txBody>
-          <a:bodyPr/>
-          <a:lstStyle/>
-          <a:p>
-            <a:fld id="{D57F1E4F-1CFF-5643-939E-02111984F565}" type="slidenum">
-              <a:rPr lang="en-US" smtClean="0"/>
-              <a:t>10</a:t>
-            </a:fld>
-            <a:endParaRPr lang="en-US" dirty="0"/>
-          </a:p>
-        </p:txBody>
-      </p:sp>
-    </p:spTree>
-    <p:extLst>
-      <p:ext uri="{BB962C8B-B14F-4D97-AF65-F5344CB8AC3E}">
-        <p14:creationId xmlns:p14="http://schemas.microsoft.com/office/powerpoint/2010/main" val="2786353841"/>
-      </p:ext>
-    </p:extLst>
-  </p:cSld>
-  <p:clrMapOvr>
-    <a:masterClrMapping/>
-  </p:clrMapOvr>
-</p:sld>
-</file>
-
-<file path=ppt/slides/slide11.xml><?xml version="1.0" encoding="utf-8"?>
-<p:sld xmlns:a="http://schemas.openxmlformats.org/drawingml/2006/main" xmlns:r="http://schemas.openxmlformats.org/officeDocument/2006/relationships" xmlns:p="http://schemas.openxmlformats.org/presentationml/2006/main">
-  <p:cSld>
-    <p:spTree>
-      <p:nvGrpSpPr>
-        <p:cNvPr id="1" name=""/>
-        <p:cNvGrpSpPr/>
-        <p:nvPr/>
-      </p:nvGrpSpPr>
-      <p:grpSpPr>
-        <a:xfrm>
-          <a:off x="0" y="0"/>
-          <a:ext cx="0" cy="0"/>
-          <a:chOff x="0" y="0"/>
-          <a:chExt cx="0" cy="0"/>
-        </a:xfrm>
-      </p:grpSpPr>
-      <p:sp>
-        <p:nvSpPr>
-          <p:cNvPr id="2" name="Titre 1">
-            <a:extLst>
-              <a:ext uri="{FF2B5EF4-FFF2-40B4-BE49-F238E27FC236}">
-                <a16:creationId xmlns:a16="http://schemas.microsoft.com/office/drawing/2014/main" id="{8B52B5D7-B233-4050-8773-F4E1A24FE02A}"/>
-              </a:ext>
-            </a:extLst>
-          </p:cNvPr>
-          <p:cNvSpPr>
-            <a:spLocks noGrp="1"/>
-          </p:cNvSpPr>
-          <p:nvPr>
-            <p:ph type="title"/>
-          </p:nvPr>
-        </p:nvSpPr>
-        <p:spPr/>
-        <p:txBody>
-          <a:bodyPr/>
-          <a:lstStyle/>
-          <a:p>
-            <a:pPr algn="ctr"/>
-            <a:r>
-              <a:rPr lang="fr-FR" dirty="0"/>
-              <a:t>Dynamic </a:t>
-            </a:r>
-            <a:r>
-              <a:rPr lang="fr-FR" dirty="0" err="1"/>
-              <a:t>Programming</a:t>
-            </a:r>
-            <a:br>
-              <a:rPr lang="fr-FR" dirty="0"/>
-            </a:br>
-            <a:endParaRPr lang="fr-FR" dirty="0"/>
-          </a:p>
-        </p:txBody>
-      </p:sp>
-      <p:sp>
-        <p:nvSpPr>
-          <p:cNvPr id="7" name="Espace réservé du contenu 2">
-            <a:extLst>
-              <a:ext uri="{FF2B5EF4-FFF2-40B4-BE49-F238E27FC236}">
-                <a16:creationId xmlns:a16="http://schemas.microsoft.com/office/drawing/2014/main" id="{40C603D4-16AD-4DA5-BB05-530D6445D39D}"/>
-              </a:ext>
-            </a:extLst>
-          </p:cNvPr>
-          <p:cNvSpPr>
-            <a:spLocks noGrp="1"/>
-          </p:cNvSpPr>
-          <p:nvPr>
-            <p:ph idx="1"/>
-          </p:nvPr>
-        </p:nvSpPr>
-        <p:spPr>
-          <a:xfrm>
-            <a:off x="3971908" y="1448680"/>
-            <a:ext cx="4248183" cy="1980320"/>
-          </a:xfrm>
-        </p:spPr>
-        <p:txBody>
-          <a:bodyPr/>
-          <a:lstStyle/>
-          <a:p>
-            <a:r>
-              <a:rPr lang="fr-FR" dirty="0"/>
-              <a:t>Policy </a:t>
-            </a:r>
-            <a:r>
-              <a:rPr lang="fr-FR" dirty="0" err="1"/>
-              <a:t>iteration</a:t>
-            </a:r>
-            <a:endParaRPr lang="fr-FR" dirty="0"/>
-          </a:p>
-          <a:p>
-            <a:pPr lvl="1"/>
-            <a:r>
-              <a:rPr lang="fr-FR" dirty="0"/>
-              <a:t>Secret </a:t>
-            </a:r>
-            <a:r>
-              <a:rPr lang="fr-FR" dirty="0" err="1"/>
-              <a:t>env</a:t>
-            </a:r>
-            <a:r>
-              <a:rPr lang="fr-FR" dirty="0"/>
-              <a:t> 1</a:t>
-            </a:r>
-          </a:p>
-          <a:p>
-            <a:pPr lvl="2"/>
-            <a:r>
-              <a:rPr lang="fr-FR" dirty="0"/>
-              <a:t>Gamma 1,0</a:t>
-            </a:r>
-          </a:p>
-          <a:p>
-            <a:pPr lvl="2"/>
-            <a:r>
-              <a:rPr lang="fr-FR" dirty="0" err="1"/>
-              <a:t>Theta</a:t>
-            </a:r>
-            <a:r>
-              <a:rPr lang="fr-FR" dirty="0"/>
-              <a:t> 0,001</a:t>
-            </a:r>
-          </a:p>
-          <a:p>
-            <a:pPr lvl="2"/>
-            <a:r>
-              <a:rPr lang="fr-FR" dirty="0"/>
-              <a:t>% de </a:t>
-            </a:r>
-            <a:r>
-              <a:rPr lang="fr-FR" dirty="0" err="1"/>
-              <a:t>win</a:t>
-            </a:r>
-            <a:endParaRPr lang="fr-FR" dirty="0"/>
-          </a:p>
-          <a:p>
-            <a:pPr lvl="1"/>
-            <a:endParaRPr lang="fr-FR" dirty="0"/>
-          </a:p>
-          <a:p>
-            <a:endParaRPr lang="fr-FR" dirty="0"/>
-          </a:p>
-        </p:txBody>
-      </p:sp>
-      <p:sp>
-        <p:nvSpPr>
-          <p:cNvPr id="3" name="Espace réservé du numéro de diapositive 2">
-            <a:extLst>
-              <a:ext uri="{FF2B5EF4-FFF2-40B4-BE49-F238E27FC236}">
-                <a16:creationId xmlns:a16="http://schemas.microsoft.com/office/drawing/2014/main" id="{A70E3CB9-1C4E-43B8-9FD7-4D5562B0AA0F}"/>
-              </a:ext>
-            </a:extLst>
-          </p:cNvPr>
-          <p:cNvSpPr>
-            <a:spLocks noGrp="1"/>
-          </p:cNvSpPr>
-          <p:nvPr>
-            <p:ph type="sldNum" sz="quarter" idx="12"/>
-          </p:nvPr>
-        </p:nvSpPr>
-        <p:spPr/>
-        <p:txBody>
-          <a:bodyPr/>
-          <a:lstStyle/>
-          <a:p>
-            <a:fld id="{D57F1E4F-1CFF-5643-939E-02111984F565}" type="slidenum">
-              <a:rPr lang="en-US" smtClean="0"/>
-              <a:t>11</a:t>
-            </a:fld>
-            <a:endParaRPr lang="en-US" dirty="0"/>
-          </a:p>
-        </p:txBody>
-      </p:sp>
-    </p:spTree>
-    <p:extLst>
-      <p:ext uri="{BB962C8B-B14F-4D97-AF65-F5344CB8AC3E}">
-        <p14:creationId xmlns:p14="http://schemas.microsoft.com/office/powerpoint/2010/main" val="2373279761"/>
-      </p:ext>
-    </p:extLst>
-  </p:cSld>
-  <p:clrMapOvr>
-    <a:masterClrMapping/>
-  </p:clrMapOvr>
-</p:sld>
-</file>
-
-<file path=ppt/slides/slide12.xml><?xml version="1.0" encoding="utf-8"?>
-<p:sld xmlns:a="http://schemas.openxmlformats.org/drawingml/2006/main" xmlns:r="http://schemas.openxmlformats.org/officeDocument/2006/relationships" xmlns:p="http://schemas.openxmlformats.org/presentationml/2006/main">
-  <p:cSld>
-    <p:spTree>
-      <p:nvGrpSpPr>
-        <p:cNvPr id="1" name=""/>
-        <p:cNvGrpSpPr/>
-        <p:nvPr/>
-      </p:nvGrpSpPr>
-      <p:grpSpPr>
-        <a:xfrm>
-          <a:off x="0" y="0"/>
-          <a:ext cx="0" cy="0"/>
-          <a:chOff x="0" y="0"/>
-          <a:chExt cx="0" cy="0"/>
-        </a:xfrm>
-      </p:grpSpPr>
-      <p:sp>
-        <p:nvSpPr>
-          <p:cNvPr id="2" name="Titre 1">
-            <a:extLst>
-              <a:ext uri="{FF2B5EF4-FFF2-40B4-BE49-F238E27FC236}">
-                <a16:creationId xmlns:a16="http://schemas.microsoft.com/office/drawing/2014/main" id="{8B52B5D7-B233-4050-8773-F4E1A24FE02A}"/>
-              </a:ext>
-            </a:extLst>
-          </p:cNvPr>
-          <p:cNvSpPr>
-            <a:spLocks noGrp="1"/>
-          </p:cNvSpPr>
-          <p:nvPr>
-            <p:ph type="title"/>
-          </p:nvPr>
-        </p:nvSpPr>
-        <p:spPr/>
-        <p:txBody>
-          <a:bodyPr/>
-          <a:lstStyle/>
-          <a:p>
-            <a:pPr algn="ctr"/>
-            <a:r>
-              <a:rPr lang="fr-FR" dirty="0"/>
-              <a:t>Dynamic </a:t>
-            </a:r>
-            <a:r>
-              <a:rPr lang="fr-FR" dirty="0" err="1"/>
-              <a:t>Programming</a:t>
-            </a:r>
-            <a:br>
-              <a:rPr lang="fr-FR" dirty="0"/>
-            </a:br>
-            <a:endParaRPr lang="fr-FR" dirty="0"/>
-          </a:p>
-        </p:txBody>
-      </p:sp>
-      <p:sp>
-        <p:nvSpPr>
-          <p:cNvPr id="7" name="Espace réservé du contenu 2">
-            <a:extLst>
-              <a:ext uri="{FF2B5EF4-FFF2-40B4-BE49-F238E27FC236}">
-                <a16:creationId xmlns:a16="http://schemas.microsoft.com/office/drawing/2014/main" id="{40C603D4-16AD-4DA5-BB05-530D6445D39D}"/>
-              </a:ext>
-            </a:extLst>
-          </p:cNvPr>
-          <p:cNvSpPr>
-            <a:spLocks noGrp="1"/>
-          </p:cNvSpPr>
-          <p:nvPr>
-            <p:ph idx="1"/>
-          </p:nvPr>
-        </p:nvSpPr>
-        <p:spPr>
-          <a:xfrm>
-            <a:off x="3971908" y="1448680"/>
-            <a:ext cx="4248183" cy="1980320"/>
-          </a:xfrm>
-        </p:spPr>
-        <p:txBody>
-          <a:bodyPr/>
-          <a:lstStyle/>
-          <a:p>
-            <a:r>
-              <a:rPr lang="fr-FR" dirty="0"/>
-              <a:t>Value </a:t>
-            </a:r>
-            <a:r>
-              <a:rPr lang="fr-FR" dirty="0" err="1"/>
-              <a:t>iteration</a:t>
-            </a:r>
-            <a:endParaRPr lang="fr-FR" dirty="0"/>
-          </a:p>
-          <a:p>
-            <a:pPr lvl="1"/>
-            <a:r>
-              <a:rPr lang="fr-FR" dirty="0"/>
-              <a:t>Secret </a:t>
-            </a:r>
-            <a:r>
-              <a:rPr lang="fr-FR" dirty="0" err="1"/>
-              <a:t>env</a:t>
-            </a:r>
-            <a:r>
-              <a:rPr lang="fr-FR" dirty="0"/>
-              <a:t> 1</a:t>
-            </a:r>
-          </a:p>
-          <a:p>
-            <a:pPr lvl="2"/>
-            <a:r>
-              <a:rPr lang="fr-FR" dirty="0"/>
-              <a:t>Gamma 1,0</a:t>
-            </a:r>
-          </a:p>
-          <a:p>
-            <a:pPr lvl="2"/>
-            <a:r>
-              <a:rPr lang="fr-FR" dirty="0" err="1"/>
-              <a:t>Theta</a:t>
-            </a:r>
-            <a:r>
-              <a:rPr lang="fr-FR" dirty="0"/>
-              <a:t> 0,001</a:t>
-            </a:r>
-          </a:p>
-          <a:p>
-            <a:pPr lvl="2"/>
-            <a:r>
-              <a:rPr lang="fr-FR" dirty="0"/>
-              <a:t>% de </a:t>
-            </a:r>
-            <a:r>
-              <a:rPr lang="fr-FR" dirty="0" err="1"/>
-              <a:t>win</a:t>
-            </a:r>
-            <a:endParaRPr lang="fr-FR" dirty="0"/>
-          </a:p>
-          <a:p>
-            <a:pPr lvl="1"/>
-            <a:endParaRPr lang="fr-FR" dirty="0"/>
-          </a:p>
-          <a:p>
-            <a:endParaRPr lang="fr-FR" dirty="0"/>
-          </a:p>
-        </p:txBody>
-      </p:sp>
-      <p:sp>
-        <p:nvSpPr>
-          <p:cNvPr id="3" name="Espace réservé du numéro de diapositive 2">
-            <a:extLst>
-              <a:ext uri="{FF2B5EF4-FFF2-40B4-BE49-F238E27FC236}">
-                <a16:creationId xmlns:a16="http://schemas.microsoft.com/office/drawing/2014/main" id="{67E6E145-599C-4181-9DE2-F7F669FA721F}"/>
-              </a:ext>
-            </a:extLst>
-          </p:cNvPr>
-          <p:cNvSpPr>
-            <a:spLocks noGrp="1"/>
-          </p:cNvSpPr>
-          <p:nvPr>
-            <p:ph type="sldNum" sz="quarter" idx="12"/>
-          </p:nvPr>
-        </p:nvSpPr>
-        <p:spPr/>
-        <p:txBody>
-          <a:bodyPr/>
-          <a:lstStyle/>
-          <a:p>
-            <a:fld id="{D57F1E4F-1CFF-5643-939E-02111984F565}" type="slidenum">
-              <a:rPr lang="en-US" smtClean="0"/>
-              <a:t>12</a:t>
-            </a:fld>
-            <a:endParaRPr lang="en-US" dirty="0"/>
-          </a:p>
-        </p:txBody>
-      </p:sp>
-    </p:spTree>
-    <p:extLst>
-      <p:ext uri="{BB962C8B-B14F-4D97-AF65-F5344CB8AC3E}">
-        <p14:creationId xmlns:p14="http://schemas.microsoft.com/office/powerpoint/2010/main" val="2653957047"/>
-      </p:ext>
-    </p:extLst>
-  </p:cSld>
-  <p:clrMapOvr>
-    <a:masterClrMapping/>
-  </p:clrMapOvr>
-</p:sld>
-</file>
-
-<file path=ppt/slides/slide13.xml><?xml version="1.0" encoding="utf-8"?>
-<p:sld xmlns:a="http://schemas.openxmlformats.org/drawingml/2006/main" xmlns:r="http://schemas.openxmlformats.org/officeDocument/2006/relationships" xmlns:p="http://schemas.openxmlformats.org/presentationml/2006/main">
-  <p:cSld>
-    <p:spTree>
-      <p:nvGrpSpPr>
-        <p:cNvPr id="1" name=""/>
-        <p:cNvGrpSpPr/>
-        <p:nvPr/>
-      </p:nvGrpSpPr>
-      <p:grpSpPr>
-        <a:xfrm>
-          <a:off x="0" y="0"/>
-          <a:ext cx="0" cy="0"/>
-          <a:chOff x="0" y="0"/>
-          <a:chExt cx="0" cy="0"/>
-        </a:xfrm>
-      </p:grpSpPr>
-      <p:sp>
-        <p:nvSpPr>
-          <p:cNvPr id="2" name="Titre 1">
-            <a:extLst>
-              <a:ext uri="{FF2B5EF4-FFF2-40B4-BE49-F238E27FC236}">
                 <a16:creationId xmlns:a16="http://schemas.microsoft.com/office/drawing/2014/main" id="{6D32D133-DE87-4B3B-8E30-C79734EA517C}"/>
               </a:ext>
             </a:extLst>
@@ -7548,7 +6992,7 @@
           <a:p>
             <a:fld id="{D57F1E4F-1CFF-5643-939E-02111984F565}" type="slidenum">
               <a:rPr lang="en-US" smtClean="0"/>
-              <a:t>13</a:t>
+              <a:t>10</a:t>
             </a:fld>
             <a:endParaRPr lang="en-US" dirty="0"/>
           </a:p>
@@ -7567,7 +7011,7 @@
 </p:sld>
 </file>
 
-<file path=ppt/slides/slide14.xml><?xml version="1.0" encoding="utf-8"?>
+<file path=ppt/slides/slide11.xml><?xml version="1.0" encoding="utf-8"?>
 <p:sld xmlns:a="http://schemas.openxmlformats.org/drawingml/2006/main" xmlns:r="http://schemas.openxmlformats.org/officeDocument/2006/relationships" xmlns:p="http://schemas.openxmlformats.org/presentationml/2006/main">
   <p:cSld>
     <p:spTree>
@@ -7812,7 +7256,7 @@
           <a:p>
             <a:fld id="{D57F1E4F-1CFF-5643-939E-02111984F565}" type="slidenum">
               <a:rPr lang="en-US" smtClean="0"/>
-              <a:t>14</a:t>
+              <a:t>11</a:t>
             </a:fld>
             <a:endParaRPr lang="en-US" dirty="0"/>
           </a:p>
@@ -7831,7 +7275,7 @@
 </p:sld>
 </file>
 
-<file path=ppt/slides/slide15.xml><?xml version="1.0" encoding="utf-8"?>
+<file path=ppt/slides/slide12.xml><?xml version="1.0" encoding="utf-8"?>
 <p:sld xmlns:a="http://schemas.openxmlformats.org/drawingml/2006/main" xmlns:r="http://schemas.openxmlformats.org/officeDocument/2006/relationships" xmlns:p="http://schemas.openxmlformats.org/presentationml/2006/main">
   <p:cSld>
     <p:spTree>
@@ -8104,7 +7548,7 @@
           <a:p>
             <a:fld id="{D57F1E4F-1CFF-5643-939E-02111984F565}" type="slidenum">
               <a:rPr lang="en-US" smtClean="0"/>
-              <a:t>15</a:t>
+              <a:t>12</a:t>
             </a:fld>
             <a:endParaRPr lang="en-US" dirty="0"/>
           </a:p>
@@ -8123,7 +7567,7 @@
 </p:sld>
 </file>
 
-<file path=ppt/slides/slide16.xml><?xml version="1.0" encoding="utf-8"?>
+<file path=ppt/slides/slide13.xml><?xml version="1.0" encoding="utf-8"?>
 <p:sld xmlns:a="http://schemas.openxmlformats.org/drawingml/2006/main" xmlns:r="http://schemas.openxmlformats.org/officeDocument/2006/relationships" xmlns:p="http://schemas.openxmlformats.org/presentationml/2006/main">
   <p:cSld>
     <p:spTree>
@@ -8384,7 +7828,7 @@
           <a:p>
             <a:fld id="{D57F1E4F-1CFF-5643-939E-02111984F565}" type="slidenum">
               <a:rPr lang="en-US" smtClean="0"/>
-              <a:t>16</a:t>
+              <a:t>13</a:t>
             </a:fld>
             <a:endParaRPr lang="en-US" dirty="0"/>
           </a:p>
@@ -8403,7 +7847,7 @@
 </p:sld>
 </file>
 
-<file path=ppt/slides/slide17.xml><?xml version="1.0" encoding="utf-8"?>
+<file path=ppt/slides/slide14.xml><?xml version="1.0" encoding="utf-8"?>
 <p:sld xmlns:a="http://schemas.openxmlformats.org/drawingml/2006/main" xmlns:r="http://schemas.openxmlformats.org/officeDocument/2006/relationships" xmlns:p="http://schemas.openxmlformats.org/presentationml/2006/main">
   <p:cSld>
     <p:spTree>
@@ -8656,7 +8100,7 @@
           <a:p>
             <a:fld id="{D57F1E4F-1CFF-5643-939E-02111984F565}" type="slidenum">
               <a:rPr lang="en-US" smtClean="0"/>
-              <a:t>17</a:t>
+              <a:t>14</a:t>
             </a:fld>
             <a:endParaRPr lang="en-US" dirty="0"/>
           </a:p>
@@ -8675,7 +8119,7 @@
 </p:sld>
 </file>
 
-<file path=ppt/slides/slide18.xml><?xml version="1.0" encoding="utf-8"?>
+<file path=ppt/slides/slide15.xml><?xml version="1.0" encoding="utf-8"?>
 <p:sld xmlns:a="http://schemas.openxmlformats.org/drawingml/2006/main" xmlns:r="http://schemas.openxmlformats.org/officeDocument/2006/relationships" xmlns:p="http://schemas.openxmlformats.org/presentationml/2006/main">
   <p:cSld>
     <p:spTree>
@@ -8956,7 +8400,7 @@
           <a:p>
             <a:fld id="{D57F1E4F-1CFF-5643-939E-02111984F565}" type="slidenum">
               <a:rPr lang="en-US" smtClean="0"/>
-              <a:t>18</a:t>
+              <a:t>15</a:t>
             </a:fld>
             <a:endParaRPr lang="en-US" dirty="0"/>
           </a:p>
@@ -8975,7 +8419,7 @@
 </p:sld>
 </file>
 
-<file path=ppt/slides/slide19.xml><?xml version="1.0" encoding="utf-8"?>
+<file path=ppt/slides/slide16.xml><?xml version="1.0" encoding="utf-8"?>
 <p:sld xmlns:a="http://schemas.openxmlformats.org/drawingml/2006/main" xmlns:r="http://schemas.openxmlformats.org/officeDocument/2006/relationships" xmlns:p="http://schemas.openxmlformats.org/presentationml/2006/main">
   <p:cSld>
     <p:spTree>
@@ -9244,7 +8688,7 @@
           <a:p>
             <a:fld id="{D57F1E4F-1CFF-5643-939E-02111984F565}" type="slidenum">
               <a:rPr lang="en-US" smtClean="0"/>
-              <a:t>19</a:t>
+              <a:t>16</a:t>
             </a:fld>
             <a:endParaRPr lang="en-US" dirty="0"/>
           </a:p>
@@ -9263,215 +8707,7 @@
 </p:sld>
 </file>
 
-<file path=ppt/slides/slide2.xml><?xml version="1.0" encoding="utf-8"?>
-<p:sld xmlns:a="http://schemas.openxmlformats.org/drawingml/2006/main" xmlns:r="http://schemas.openxmlformats.org/officeDocument/2006/relationships" xmlns:p="http://schemas.openxmlformats.org/presentationml/2006/main">
-  <p:cSld>
-    <p:spTree>
-      <p:nvGrpSpPr>
-        <p:cNvPr id="1" name=""/>
-        <p:cNvGrpSpPr/>
-        <p:nvPr/>
-      </p:nvGrpSpPr>
-      <p:grpSpPr>
-        <a:xfrm>
-          <a:off x="0" y="0"/>
-          <a:ext cx="0" cy="0"/>
-          <a:chOff x="0" y="0"/>
-          <a:chExt cx="0" cy="0"/>
-        </a:xfrm>
-      </p:grpSpPr>
-      <p:sp>
-        <p:nvSpPr>
-          <p:cNvPr id="2" name="Titre 1">
-            <a:extLst>
-              <a:ext uri="{FF2B5EF4-FFF2-40B4-BE49-F238E27FC236}">
-                <a16:creationId xmlns:a16="http://schemas.microsoft.com/office/drawing/2014/main" id="{5BCA2E0F-A88F-4E82-A6E0-78B05D91B83A}"/>
-              </a:ext>
-            </a:extLst>
-          </p:cNvPr>
-          <p:cNvSpPr>
-            <a:spLocks noGrp="1"/>
-          </p:cNvSpPr>
-          <p:nvPr>
-            <p:ph type="title"/>
-          </p:nvPr>
-        </p:nvSpPr>
-        <p:spPr/>
-        <p:txBody>
-          <a:bodyPr/>
-          <a:lstStyle/>
-          <a:p>
-            <a:pPr algn="ctr"/>
-            <a:r>
-              <a:rPr lang="fr-FR" dirty="0"/>
-              <a:t>Sommaire</a:t>
-            </a:r>
-          </a:p>
-        </p:txBody>
-      </p:sp>
-      <p:sp>
-        <p:nvSpPr>
-          <p:cNvPr id="3" name="Espace réservé du contenu 2">
-            <a:extLst>
-              <a:ext uri="{FF2B5EF4-FFF2-40B4-BE49-F238E27FC236}">
-                <a16:creationId xmlns:a16="http://schemas.microsoft.com/office/drawing/2014/main" id="{D7A63308-2A5A-4422-B51F-55B5389A7045}"/>
-              </a:ext>
-            </a:extLst>
-          </p:cNvPr>
-          <p:cNvSpPr>
-            <a:spLocks noGrp="1"/>
-          </p:cNvSpPr>
-          <p:nvPr>
-            <p:ph idx="1"/>
-          </p:nvPr>
-        </p:nvSpPr>
-        <p:spPr/>
-        <p:txBody>
-          <a:bodyPr/>
-          <a:lstStyle/>
-          <a:p>
-            <a:r>
-              <a:rPr lang="fr-FR" dirty="0"/>
-              <a:t>Présentation des algos :</a:t>
-            </a:r>
-          </a:p>
-          <a:p>
-            <a:pPr lvl="1"/>
-            <a:r>
-              <a:rPr lang="fr-FR" dirty="0"/>
-              <a:t>Dynamic </a:t>
-            </a:r>
-            <a:r>
-              <a:rPr lang="fr-FR" dirty="0" err="1"/>
-              <a:t>Programming</a:t>
-            </a:r>
-            <a:endParaRPr lang="fr-FR" dirty="0"/>
-          </a:p>
-          <a:p>
-            <a:pPr lvl="1"/>
-            <a:r>
-              <a:rPr lang="fr-FR" dirty="0"/>
-              <a:t>Monte </a:t>
-            </a:r>
-            <a:r>
-              <a:rPr lang="fr-FR" dirty="0" err="1"/>
-              <a:t>carlo</a:t>
-            </a:r>
-            <a:r>
-              <a:rPr lang="fr-FR" dirty="0"/>
-              <a:t> </a:t>
-            </a:r>
-            <a:r>
-              <a:rPr lang="fr-FR" dirty="0" err="1"/>
-              <a:t>methods</a:t>
-            </a:r>
-            <a:endParaRPr lang="fr-FR" dirty="0"/>
-          </a:p>
-          <a:p>
-            <a:pPr lvl="1"/>
-            <a:r>
-              <a:rPr lang="fr-FR" dirty="0"/>
-              <a:t>Temporal </a:t>
-            </a:r>
-            <a:r>
-              <a:rPr lang="fr-FR" dirty="0" err="1"/>
-              <a:t>difference</a:t>
-            </a:r>
-            <a:r>
-              <a:rPr lang="fr-FR" dirty="0"/>
-              <a:t> </a:t>
-            </a:r>
-            <a:r>
-              <a:rPr lang="fr-FR" dirty="0" err="1"/>
-              <a:t>learning</a:t>
-            </a:r>
-            <a:endParaRPr lang="fr-FR" dirty="0"/>
-          </a:p>
-          <a:p>
-            <a:pPr lvl="1"/>
-            <a:r>
-              <a:rPr lang="fr-FR" dirty="0" err="1"/>
-              <a:t>Deep</a:t>
-            </a:r>
-            <a:r>
-              <a:rPr lang="fr-FR" dirty="0"/>
-              <a:t> </a:t>
-            </a:r>
-            <a:r>
-              <a:rPr lang="fr-FR" dirty="0" err="1"/>
-              <a:t>reinforcement</a:t>
-            </a:r>
-            <a:r>
-              <a:rPr lang="fr-FR" dirty="0"/>
-              <a:t> </a:t>
-            </a:r>
-            <a:r>
-              <a:rPr lang="fr-FR" dirty="0" err="1"/>
-              <a:t>learning</a:t>
-            </a:r>
-            <a:r>
-              <a:rPr lang="fr-FR" dirty="0"/>
-              <a:t> </a:t>
-            </a:r>
-          </a:p>
-          <a:p>
-            <a:pPr lvl="1"/>
-            <a:endParaRPr lang="fr-FR" dirty="0"/>
-          </a:p>
-          <a:p>
-            <a:r>
-              <a:rPr lang="fr-FR" dirty="0"/>
-              <a:t>Score obtenus pour chaque environnement </a:t>
-            </a:r>
-          </a:p>
-          <a:p>
-            <a:endParaRPr lang="fr-FR" dirty="0"/>
-          </a:p>
-        </p:txBody>
-      </p:sp>
-      <p:sp>
-        <p:nvSpPr>
-          <p:cNvPr id="4" name="Espace réservé du numéro de diapositive 3">
-            <a:extLst>
-              <a:ext uri="{FF2B5EF4-FFF2-40B4-BE49-F238E27FC236}">
-                <a16:creationId xmlns:a16="http://schemas.microsoft.com/office/drawing/2014/main" id="{03C44250-6B2D-42B2-8872-E3E9BE796C77}"/>
-              </a:ext>
-            </a:extLst>
-          </p:cNvPr>
-          <p:cNvSpPr>
-            <a:spLocks noGrp="1"/>
-          </p:cNvSpPr>
-          <p:nvPr>
-            <p:ph type="sldNum" sz="quarter" idx="12"/>
-          </p:nvPr>
-        </p:nvSpPr>
-        <p:spPr/>
-        <p:txBody>
-          <a:bodyPr/>
-          <a:lstStyle/>
-          <a:p>
-            <a:fld id="{D57F1E4F-1CFF-5643-939E-02111984F565}" type="slidenum">
-              <a:rPr lang="en-US" smtClean="0"/>
-              <a:t>2</a:t>
-            </a:fld>
-            <a:endParaRPr lang="en-US" dirty="0"/>
-          </a:p>
-        </p:txBody>
-      </p:sp>
-    </p:spTree>
-    <p:extLst>
-      <p:ext uri="{BB962C8B-B14F-4D97-AF65-F5344CB8AC3E}">
-        <p14:creationId xmlns:p14="http://schemas.microsoft.com/office/powerpoint/2010/main" val="2043945609"/>
-      </p:ext>
-    </p:extLst>
-  </p:cSld>
-  <p:clrMapOvr>
-    <a:masterClrMapping/>
-  </p:clrMapOvr>
-</p:sld>
-</file>
-
-<file path=ppt/slides/slide20.xml><?xml version="1.0" encoding="utf-8"?>
+<file path=ppt/slides/slide17.xml><?xml version="1.0" encoding="utf-8"?>
 <p:sld xmlns:a="http://schemas.openxmlformats.org/drawingml/2006/main" xmlns:r="http://schemas.openxmlformats.org/officeDocument/2006/relationships" xmlns:p="http://schemas.openxmlformats.org/presentationml/2006/main">
   <p:cSld>
     <p:spTree>
@@ -9910,7 +9146,7 @@
           <a:p>
             <a:fld id="{D57F1E4F-1CFF-5643-939E-02111984F565}" type="slidenum">
               <a:rPr lang="en-US" smtClean="0"/>
-              <a:t>20</a:t>
+              <a:t>17</a:t>
             </a:fld>
             <a:endParaRPr lang="en-US" dirty="0"/>
           </a:p>
@@ -9929,7 +9165,7 @@
 </p:sld>
 </file>
 
-<file path=ppt/slides/slide21.xml><?xml version="1.0" encoding="utf-8"?>
+<file path=ppt/slides/slide18.xml><?xml version="1.0" encoding="utf-8"?>
 <p:sld xmlns:a="http://schemas.openxmlformats.org/drawingml/2006/main" xmlns:r="http://schemas.openxmlformats.org/officeDocument/2006/relationships" xmlns:p="http://schemas.openxmlformats.org/presentationml/2006/main">
   <p:cSld>
     <p:spTree>
@@ -10195,7 +9431,7 @@
           <a:p>
             <a:fld id="{D57F1E4F-1CFF-5643-939E-02111984F565}" type="slidenum">
               <a:rPr lang="en-US" smtClean="0"/>
-              <a:t>21</a:t>
+              <a:t>18</a:t>
             </a:fld>
             <a:endParaRPr lang="en-US" dirty="0"/>
           </a:p>
@@ -10214,7 +9450,7 @@
 </p:sld>
 </file>
 
-<file path=ppt/slides/slide22.xml><?xml version="1.0" encoding="utf-8"?>
+<file path=ppt/slides/slide19.xml><?xml version="1.0" encoding="utf-8"?>
 <p:sld xmlns:a="http://schemas.openxmlformats.org/drawingml/2006/main" xmlns:r="http://schemas.openxmlformats.org/officeDocument/2006/relationships" xmlns:p="http://schemas.openxmlformats.org/presentationml/2006/main">
   <p:cSld>
     <p:spTree>
@@ -10484,7 +9720,7 @@
           <a:p>
             <a:fld id="{D57F1E4F-1CFF-5643-939E-02111984F565}" type="slidenum">
               <a:rPr lang="en-US" smtClean="0"/>
-              <a:t>22</a:t>
+              <a:t>19</a:t>
             </a:fld>
             <a:endParaRPr lang="en-US" dirty="0"/>
           </a:p>
@@ -10503,7 +9739,215 @@
 </p:sld>
 </file>
 
-<file path=ppt/slides/slide23.xml><?xml version="1.0" encoding="utf-8"?>
+<file path=ppt/slides/slide2.xml><?xml version="1.0" encoding="utf-8"?>
+<p:sld xmlns:a="http://schemas.openxmlformats.org/drawingml/2006/main" xmlns:r="http://schemas.openxmlformats.org/officeDocument/2006/relationships" xmlns:p="http://schemas.openxmlformats.org/presentationml/2006/main">
+  <p:cSld>
+    <p:spTree>
+      <p:nvGrpSpPr>
+        <p:cNvPr id="1" name=""/>
+        <p:cNvGrpSpPr/>
+        <p:nvPr/>
+      </p:nvGrpSpPr>
+      <p:grpSpPr>
+        <a:xfrm>
+          <a:off x="0" y="0"/>
+          <a:ext cx="0" cy="0"/>
+          <a:chOff x="0" y="0"/>
+          <a:chExt cx="0" cy="0"/>
+        </a:xfrm>
+      </p:grpSpPr>
+      <p:sp>
+        <p:nvSpPr>
+          <p:cNvPr id="2" name="Titre 1">
+            <a:extLst>
+              <a:ext uri="{FF2B5EF4-FFF2-40B4-BE49-F238E27FC236}">
+                <a16:creationId xmlns:a16="http://schemas.microsoft.com/office/drawing/2014/main" id="{5BCA2E0F-A88F-4E82-A6E0-78B05D91B83A}"/>
+              </a:ext>
+            </a:extLst>
+          </p:cNvPr>
+          <p:cNvSpPr>
+            <a:spLocks noGrp="1"/>
+          </p:cNvSpPr>
+          <p:nvPr>
+            <p:ph type="title"/>
+          </p:nvPr>
+        </p:nvSpPr>
+        <p:spPr/>
+        <p:txBody>
+          <a:bodyPr/>
+          <a:lstStyle/>
+          <a:p>
+            <a:pPr algn="ctr"/>
+            <a:r>
+              <a:rPr lang="fr-FR" dirty="0"/>
+              <a:t>Sommaire</a:t>
+            </a:r>
+          </a:p>
+        </p:txBody>
+      </p:sp>
+      <p:sp>
+        <p:nvSpPr>
+          <p:cNvPr id="3" name="Espace réservé du contenu 2">
+            <a:extLst>
+              <a:ext uri="{FF2B5EF4-FFF2-40B4-BE49-F238E27FC236}">
+                <a16:creationId xmlns:a16="http://schemas.microsoft.com/office/drawing/2014/main" id="{D7A63308-2A5A-4422-B51F-55B5389A7045}"/>
+              </a:ext>
+            </a:extLst>
+          </p:cNvPr>
+          <p:cNvSpPr>
+            <a:spLocks noGrp="1"/>
+          </p:cNvSpPr>
+          <p:nvPr>
+            <p:ph idx="1"/>
+          </p:nvPr>
+        </p:nvSpPr>
+        <p:spPr/>
+        <p:txBody>
+          <a:bodyPr/>
+          <a:lstStyle/>
+          <a:p>
+            <a:r>
+              <a:rPr lang="fr-FR" dirty="0"/>
+              <a:t>Présentation des algos :</a:t>
+            </a:r>
+          </a:p>
+          <a:p>
+            <a:pPr lvl="1"/>
+            <a:r>
+              <a:rPr lang="fr-FR" dirty="0"/>
+              <a:t>Dynamic </a:t>
+            </a:r>
+            <a:r>
+              <a:rPr lang="fr-FR" dirty="0" err="1"/>
+              <a:t>Programming</a:t>
+            </a:r>
+            <a:endParaRPr lang="fr-FR" dirty="0"/>
+          </a:p>
+          <a:p>
+            <a:pPr lvl="1"/>
+            <a:r>
+              <a:rPr lang="fr-FR" dirty="0"/>
+              <a:t>Monte </a:t>
+            </a:r>
+            <a:r>
+              <a:rPr lang="fr-FR" dirty="0" err="1"/>
+              <a:t>carlo</a:t>
+            </a:r>
+            <a:r>
+              <a:rPr lang="fr-FR" dirty="0"/>
+              <a:t> </a:t>
+            </a:r>
+            <a:r>
+              <a:rPr lang="fr-FR" dirty="0" err="1"/>
+              <a:t>methods</a:t>
+            </a:r>
+            <a:endParaRPr lang="fr-FR" dirty="0"/>
+          </a:p>
+          <a:p>
+            <a:pPr lvl="1"/>
+            <a:r>
+              <a:rPr lang="fr-FR" dirty="0"/>
+              <a:t>Temporal </a:t>
+            </a:r>
+            <a:r>
+              <a:rPr lang="fr-FR" dirty="0" err="1"/>
+              <a:t>difference</a:t>
+            </a:r>
+            <a:r>
+              <a:rPr lang="fr-FR" dirty="0"/>
+              <a:t> </a:t>
+            </a:r>
+            <a:r>
+              <a:rPr lang="fr-FR" dirty="0" err="1"/>
+              <a:t>learning</a:t>
+            </a:r>
+            <a:endParaRPr lang="fr-FR" dirty="0"/>
+          </a:p>
+          <a:p>
+            <a:pPr lvl="1"/>
+            <a:r>
+              <a:rPr lang="fr-FR" dirty="0" err="1"/>
+              <a:t>Deep</a:t>
+            </a:r>
+            <a:r>
+              <a:rPr lang="fr-FR" dirty="0"/>
+              <a:t> </a:t>
+            </a:r>
+            <a:r>
+              <a:rPr lang="fr-FR" dirty="0" err="1"/>
+              <a:t>reinforcement</a:t>
+            </a:r>
+            <a:r>
+              <a:rPr lang="fr-FR" dirty="0"/>
+              <a:t> </a:t>
+            </a:r>
+            <a:r>
+              <a:rPr lang="fr-FR" dirty="0" err="1"/>
+              <a:t>learning</a:t>
+            </a:r>
+            <a:r>
+              <a:rPr lang="fr-FR" dirty="0"/>
+              <a:t> </a:t>
+            </a:r>
+          </a:p>
+          <a:p>
+            <a:pPr lvl="1"/>
+            <a:endParaRPr lang="fr-FR" dirty="0"/>
+          </a:p>
+          <a:p>
+            <a:r>
+              <a:rPr lang="fr-FR" dirty="0"/>
+              <a:t>Score obtenus pour chaque environnement </a:t>
+            </a:r>
+          </a:p>
+          <a:p>
+            <a:endParaRPr lang="fr-FR" dirty="0"/>
+          </a:p>
+        </p:txBody>
+      </p:sp>
+      <p:sp>
+        <p:nvSpPr>
+          <p:cNvPr id="4" name="Espace réservé du numéro de diapositive 3">
+            <a:extLst>
+              <a:ext uri="{FF2B5EF4-FFF2-40B4-BE49-F238E27FC236}">
+                <a16:creationId xmlns:a16="http://schemas.microsoft.com/office/drawing/2014/main" id="{03C44250-6B2D-42B2-8872-E3E9BE796C77}"/>
+              </a:ext>
+            </a:extLst>
+          </p:cNvPr>
+          <p:cNvSpPr>
+            <a:spLocks noGrp="1"/>
+          </p:cNvSpPr>
+          <p:nvPr>
+            <p:ph type="sldNum" sz="quarter" idx="12"/>
+          </p:nvPr>
+        </p:nvSpPr>
+        <p:spPr/>
+        <p:txBody>
+          <a:bodyPr/>
+          <a:lstStyle/>
+          <a:p>
+            <a:fld id="{D57F1E4F-1CFF-5643-939E-02111984F565}" type="slidenum">
+              <a:rPr lang="en-US" smtClean="0"/>
+              <a:t>2</a:t>
+            </a:fld>
+            <a:endParaRPr lang="en-US" dirty="0"/>
+          </a:p>
+        </p:txBody>
+      </p:sp>
+    </p:spTree>
+    <p:extLst>
+      <p:ext uri="{BB962C8B-B14F-4D97-AF65-F5344CB8AC3E}">
+        <p14:creationId xmlns:p14="http://schemas.microsoft.com/office/powerpoint/2010/main" val="2043945609"/>
+      </p:ext>
+    </p:extLst>
+  </p:cSld>
+  <p:clrMapOvr>
+    <a:masterClrMapping/>
+  </p:clrMapOvr>
+</p:sld>
+</file>
+
+<file path=ppt/slides/slide20.xml><?xml version="1.0" encoding="utf-8"?>
 <p:sld xmlns:a="http://schemas.openxmlformats.org/drawingml/2006/main" xmlns:r="http://schemas.openxmlformats.org/officeDocument/2006/relationships" xmlns:p="http://schemas.openxmlformats.org/presentationml/2006/main">
   <p:cSld>
     <p:spTree>
@@ -10777,7 +10221,7 @@
           <a:p>
             <a:fld id="{D57F1E4F-1CFF-5643-939E-02111984F565}" type="slidenum">
               <a:rPr lang="en-US" smtClean="0"/>
-              <a:t>23</a:t>
+              <a:t>20</a:t>
             </a:fld>
             <a:endParaRPr lang="en-US" dirty="0"/>
           </a:p>
@@ -10796,7 +10240,7 @@
 </p:sld>
 </file>
 
-<file path=ppt/slides/slide24.xml><?xml version="1.0" encoding="utf-8"?>
+<file path=ppt/slides/slide21.xml><?xml version="1.0" encoding="utf-8"?>
 <p:sld xmlns:a="http://schemas.openxmlformats.org/drawingml/2006/main" xmlns:r="http://schemas.openxmlformats.org/officeDocument/2006/relationships" xmlns:p="http://schemas.openxmlformats.org/presentationml/2006/main">
   <p:cSld>
     <p:spTree>
@@ -11074,7 +10518,7 @@
           <a:p>
             <a:fld id="{D57F1E4F-1CFF-5643-939E-02111984F565}" type="slidenum">
               <a:rPr lang="en-US" smtClean="0"/>
-              <a:t>24</a:t>
+              <a:t>21</a:t>
             </a:fld>
             <a:endParaRPr lang="en-US" dirty="0"/>
           </a:p>
@@ -11093,7 +10537,7 @@
 </p:sld>
 </file>
 
-<file path=ppt/slides/slide25.xml><?xml version="1.0" encoding="utf-8"?>
+<file path=ppt/slides/slide22.xml><?xml version="1.0" encoding="utf-8"?>
 <p:sld xmlns:a="http://schemas.openxmlformats.org/drawingml/2006/main" xmlns:r="http://schemas.openxmlformats.org/officeDocument/2006/relationships" xmlns:p="http://schemas.openxmlformats.org/presentationml/2006/main">
   <p:cSld>
     <p:spTree>
@@ -11528,7 +10972,7 @@
           <a:p>
             <a:fld id="{D57F1E4F-1CFF-5643-939E-02111984F565}" type="slidenum">
               <a:rPr lang="en-US" smtClean="0"/>
-              <a:t>25</a:t>
+              <a:t>22</a:t>
             </a:fld>
             <a:endParaRPr lang="en-US" dirty="0"/>
           </a:p>
@@ -11547,7 +10991,7 @@
 </p:sld>
 </file>
 
-<file path=ppt/slides/slide26.xml><?xml version="1.0" encoding="utf-8"?>
+<file path=ppt/slides/slide23.xml><?xml version="1.0" encoding="utf-8"?>
 <p:sld xmlns:a="http://schemas.openxmlformats.org/drawingml/2006/main" xmlns:r="http://schemas.openxmlformats.org/officeDocument/2006/relationships" xmlns:p="http://schemas.openxmlformats.org/presentationml/2006/main">
   <p:cSld>
     <p:spTree>
@@ -12404,7 +11848,7 @@
           <a:p>
             <a:fld id="{D57F1E4F-1CFF-5643-939E-02111984F565}" type="slidenum">
               <a:rPr lang="en-US" smtClean="0"/>
-              <a:t>26</a:t>
+              <a:t>23</a:t>
             </a:fld>
             <a:endParaRPr lang="en-US" dirty="0"/>
           </a:p>
@@ -12423,7 +11867,7 @@
 </p:sld>
 </file>
 
-<file path=ppt/slides/slide27.xml><?xml version="1.0" encoding="utf-8"?>
+<file path=ppt/slides/slide24.xml><?xml version="1.0" encoding="utf-8"?>
 <p:sld xmlns:a="http://schemas.openxmlformats.org/drawingml/2006/main" xmlns:r="http://schemas.openxmlformats.org/officeDocument/2006/relationships" xmlns:p="http://schemas.openxmlformats.org/presentationml/2006/main">
   <p:cSld>
     <p:spTree>
@@ -13229,7 +12673,7 @@
           <a:p>
             <a:fld id="{D57F1E4F-1CFF-5643-939E-02111984F565}" type="slidenum">
               <a:rPr lang="en-US" smtClean="0"/>
-              <a:t>27</a:t>
+              <a:t>24</a:t>
             </a:fld>
             <a:endParaRPr lang="en-US" dirty="0"/>
           </a:p>
@@ -13248,7 +12692,7 @@
 </p:sld>
 </file>
 
-<file path=ppt/slides/slide28.xml><?xml version="1.0" encoding="utf-8"?>
+<file path=ppt/slides/slide25.xml><?xml version="1.0" encoding="utf-8"?>
 <p:sld xmlns:a="http://schemas.openxmlformats.org/drawingml/2006/main" xmlns:r="http://schemas.openxmlformats.org/officeDocument/2006/relationships" xmlns:p="http://schemas.openxmlformats.org/presentationml/2006/main">
   <p:cSld>
     <p:spTree>
@@ -13313,7 +12757,7 @@
         <p:spPr/>
         <p:txBody>
           <a:bodyPr>
-            <a:normAutofit fontScale="92500" lnSpcReduction="20000"/>
+            <a:normAutofit/>
           </a:bodyPr>
           <a:lstStyle/>
           <a:p>
@@ -13328,21 +12772,6 @@
             <a:endParaRPr lang="fr-FR" dirty="0"/>
           </a:p>
           <a:p>
-            <a:pPr lvl="1"/>
-            <a:r>
-              <a:rPr lang="fr-FR" dirty="0"/>
-              <a:t>avec  % de </a:t>
-            </a:r>
-            <a:r>
-              <a:rPr lang="fr-FR" dirty="0" err="1"/>
-              <a:t>win</a:t>
-            </a:r>
-            <a:r>
-              <a:rPr lang="fr-FR" dirty="0"/>
-              <a:t> pour 100 000 parties</a:t>
-            </a:r>
-          </a:p>
-          <a:p>
             <a:r>
               <a:rPr lang="fr-FR" dirty="0" err="1"/>
               <a:t>Grid</a:t>
@@ -13358,24 +12787,13 @@
             <a:endParaRPr lang="fr-FR" dirty="0"/>
           </a:p>
           <a:p>
-            <a:pPr lvl="1"/>
-            <a:r>
-              <a:rPr lang="fr-FR" dirty="0"/>
-              <a:t>avec  % de </a:t>
-            </a:r>
-            <a:r>
-              <a:rPr lang="fr-FR" dirty="0" err="1"/>
-              <a:t>win</a:t>
-            </a:r>
-            <a:r>
-              <a:rPr lang="fr-FR" dirty="0"/>
-              <a:t> pour 100 000 parties</a:t>
-            </a:r>
-          </a:p>
-          <a:p>
-            <a:r>
-              <a:rPr lang="fr-FR" dirty="0"/>
-              <a:t>TIC TAC TOE</a:t>
+            <a:r>
+              <a:rPr lang="fr-FR"/>
+              <a:t>TIC </a:t>
+            </a:r>
+            <a:r>
+              <a:rPr lang="fr-FR" dirty="0"/>
+              <a:t>TAC TOE</a:t>
             </a:r>
           </a:p>
           <a:p>
@@ -13543,7 +12961,7 @@
           <a:p>
             <a:fld id="{D57F1E4F-1CFF-5643-939E-02111984F565}" type="slidenum">
               <a:rPr lang="en-US" smtClean="0"/>
-              <a:t>28</a:t>
+              <a:t>25</a:t>
             </a:fld>
             <a:endParaRPr lang="en-US" dirty="0"/>
           </a:p>
@@ -14109,7 +13527,7 @@
         <p:spPr>
           <a:xfrm>
             <a:off x="3971908" y="1448680"/>
-            <a:ext cx="4248183" cy="1980320"/>
+            <a:ext cx="5305174" cy="1980320"/>
           </a:xfrm>
         </p:spPr>
         <p:txBody>
@@ -14124,6 +13542,22 @@
               <a:rPr lang="fr-FR" dirty="0" err="1"/>
               <a:t>evaluation</a:t>
             </a:r>
+            <a:r>
+              <a:rPr lang="fr-FR" dirty="0"/>
+              <a:t> &amp; </a:t>
+            </a:r>
+            <a:r>
+              <a:rPr lang="fr-FR" dirty="0" err="1"/>
+              <a:t>policy</a:t>
+            </a:r>
+            <a:r>
+              <a:rPr lang="fr-FR" dirty="0"/>
+              <a:t> </a:t>
+            </a:r>
+            <a:r>
+              <a:rPr lang="fr-FR" dirty="0" err="1"/>
+              <a:t>iteration</a:t>
+            </a:r>
             <a:endParaRPr lang="fr-FR" dirty="0"/>
           </a:p>
           <a:p>
@@ -14142,7 +13576,7 @@
             <a:pPr lvl="2"/>
             <a:r>
               <a:rPr lang="fr-FR" dirty="0"/>
-              <a:t>Gamma 1,0</a:t>
+              <a:t>Gamma 0,99</a:t>
             </a:r>
           </a:p>
           <a:p>
@@ -14153,23 +13587,13 @@
             </a:r>
             <a:r>
               <a:rPr lang="fr-FR" dirty="0"/>
-              <a:t> 0,001</a:t>
-            </a:r>
-          </a:p>
-          <a:p>
-            <a:pPr lvl="2"/>
-            <a:r>
-              <a:rPr lang="fr-FR" dirty="0"/>
-              <a:t>% de </a:t>
-            </a:r>
-            <a:r>
-              <a:rPr lang="fr-FR" dirty="0" err="1"/>
-              <a:t>win</a:t>
-            </a:r>
-            <a:endParaRPr lang="fr-FR" dirty="0"/>
-          </a:p>
-          <a:p>
-            <a:pPr lvl="1"/>
+              <a:t> 0,00001</a:t>
+            </a:r>
+          </a:p>
+          <a:p>
+            <a:pPr marL="457200" lvl="1" indent="0">
+              <a:buNone/>
+            </a:pPr>
             <a:endParaRPr lang="fr-FR" dirty="0"/>
           </a:p>
           <a:p>
@@ -14206,6 +13630,53 @@
           </a:p>
         </p:txBody>
       </p:sp>
+      <p:pic>
+        <p:nvPicPr>
+          <p:cNvPr id="1026" name="Picture 2">
+            <a:extLst>
+              <a:ext uri="{FF2B5EF4-FFF2-40B4-BE49-F238E27FC236}">
+                <a16:creationId xmlns:a16="http://schemas.microsoft.com/office/drawing/2014/main" id="{2CDEAAF7-C2A5-4C54-BA35-38550DBEEE17}"/>
+              </a:ext>
+            </a:extLst>
+          </p:cNvPr>
+          <p:cNvPicPr>
+            <a:picLocks noChangeAspect="1" noChangeArrowheads="1"/>
+          </p:cNvPicPr>
+          <p:nvPr/>
+        </p:nvPicPr>
+        <p:blipFill>
+          <a:blip r:embed="rId2">
+            <a:extLst>
+              <a:ext uri="{28A0092B-C50C-407E-A947-70E740481C1C}">
+                <a14:useLocalDpi xmlns:a14="http://schemas.microsoft.com/office/drawing/2010/main" val="0"/>
+              </a:ext>
+            </a:extLst>
+          </a:blip>
+          <a:srcRect/>
+          <a:stretch>
+            <a:fillRect/>
+          </a:stretch>
+        </p:blipFill>
+        <p:spPr bwMode="auto">
+          <a:xfrm>
+            <a:off x="3367272" y="3243263"/>
+            <a:ext cx="3962400" cy="3114675"/>
+          </a:xfrm>
+          <a:prstGeom prst="rect">
+            <a:avLst/>
+          </a:prstGeom>
+          <a:noFill/>
+          <a:extLst>
+            <a:ext uri="{909E8E84-426E-40DD-AFC4-6F175D3DCCD1}">
+              <a14:hiddenFill xmlns:a14="http://schemas.microsoft.com/office/drawing/2010/main">
+                <a:solidFill>
+                  <a:srgbClr val="FFFFFF"/>
+                </a:solidFill>
+              </a14:hiddenFill>
+            </a:ext>
+          </a:extLst>
+        </p:spPr>
+      </p:pic>
     </p:spTree>
     <p:extLst>
       <p:ext uri="{BB962C8B-B14F-4D97-AF65-F5344CB8AC3E}">
@@ -14301,7 +13772,7 @@
           <a:p>
             <a:r>
               <a:rPr lang="fr-FR" dirty="0"/>
-              <a:t>Policy </a:t>
+              <a:t>Value </a:t>
             </a:r>
             <a:r>
               <a:rPr lang="fr-FR" dirty="0" err="1"/>
@@ -14325,7 +13796,7 @@
             <a:pPr lvl="2"/>
             <a:r>
               <a:rPr lang="fr-FR" dirty="0"/>
-              <a:t>Gamma 1,0</a:t>
+              <a:t>Gamma 0,99</a:t>
             </a:r>
           </a:p>
           <a:p>
@@ -14336,24 +13807,8 @@
             </a:r>
             <a:r>
               <a:rPr lang="fr-FR" dirty="0"/>
-              <a:t> 0,001</a:t>
-            </a:r>
-          </a:p>
-          <a:p>
-            <a:pPr lvl="2"/>
-            <a:r>
-              <a:rPr lang="fr-FR" dirty="0"/>
-              <a:t>% de </a:t>
-            </a:r>
-            <a:r>
-              <a:rPr lang="fr-FR" dirty="0" err="1"/>
-              <a:t>win</a:t>
-            </a:r>
-            <a:endParaRPr lang="fr-FR" dirty="0"/>
-          </a:p>
-          <a:p>
-            <a:pPr lvl="1"/>
-            <a:endParaRPr lang="fr-FR" dirty="0"/>
+              <a:t> 0,00001</a:t>
+            </a:r>
           </a:p>
           <a:p>
             <a:endParaRPr lang="fr-FR" dirty="0"/>
@@ -14365,7 +13820,7 @@
           <p:cNvPr id="3" name="Espace réservé du numéro de diapositive 2">
             <a:extLst>
               <a:ext uri="{FF2B5EF4-FFF2-40B4-BE49-F238E27FC236}">
-                <a16:creationId xmlns:a16="http://schemas.microsoft.com/office/drawing/2014/main" id="{02FE1B29-D878-4DE5-B859-3BED37F7C49E}"/>
+                <a16:creationId xmlns:a16="http://schemas.microsoft.com/office/drawing/2014/main" id="{518273FF-2195-4710-A885-7B19579D7CA1}"/>
               </a:ext>
             </a:extLst>
           </p:cNvPr>
@@ -14389,10 +13844,57 @@
           </a:p>
         </p:txBody>
       </p:sp>
+      <p:pic>
+        <p:nvPicPr>
+          <p:cNvPr id="2050" name="Picture 2">
+            <a:extLst>
+              <a:ext uri="{FF2B5EF4-FFF2-40B4-BE49-F238E27FC236}">
+                <a16:creationId xmlns:a16="http://schemas.microsoft.com/office/drawing/2014/main" id="{4E09758F-0194-4623-8639-60B948692B3C}"/>
+              </a:ext>
+            </a:extLst>
+          </p:cNvPr>
+          <p:cNvPicPr>
+            <a:picLocks noChangeAspect="1" noChangeArrowheads="1"/>
+          </p:cNvPicPr>
+          <p:nvPr/>
+        </p:nvPicPr>
+        <p:blipFill>
+          <a:blip r:embed="rId2">
+            <a:extLst>
+              <a:ext uri="{28A0092B-C50C-407E-A947-70E740481C1C}">
+                <a14:useLocalDpi xmlns:a14="http://schemas.microsoft.com/office/drawing/2010/main" val="0"/>
+              </a:ext>
+            </a:extLst>
+          </a:blip>
+          <a:srcRect/>
+          <a:stretch>
+            <a:fillRect/>
+          </a:stretch>
+        </p:blipFill>
+        <p:spPr bwMode="auto">
+          <a:xfrm>
+            <a:off x="3367272" y="3193894"/>
+            <a:ext cx="3962400" cy="3114675"/>
+          </a:xfrm>
+          <a:prstGeom prst="rect">
+            <a:avLst/>
+          </a:prstGeom>
+          <a:noFill/>
+          <a:extLst>
+            <a:ext uri="{909E8E84-426E-40DD-AFC4-6F175D3DCCD1}">
+              <a14:hiddenFill xmlns:a14="http://schemas.microsoft.com/office/drawing/2010/main">
+                <a:solidFill>
+                  <a:srgbClr val="FFFFFF"/>
+                </a:solidFill>
+              </a14:hiddenFill>
+            </a:ext>
+          </a:extLst>
+        </p:spPr>
+      </p:pic>
     </p:spTree>
     <p:extLst>
       <p:ext uri="{BB962C8B-B14F-4D97-AF65-F5344CB8AC3E}">
-        <p14:creationId xmlns:p14="http://schemas.microsoft.com/office/powerpoint/2010/main" val="2119610340"/>
+        <p14:creationId xmlns:p14="http://schemas.microsoft.com/office/powerpoint/2010/main" val="2056776689"/>
       </p:ext>
     </p:extLst>
   </p:cSld>
@@ -14475,16 +13977,34 @@
         <p:spPr>
           <a:xfrm>
             <a:off x="3971908" y="1448680"/>
-            <a:ext cx="4248183" cy="1980320"/>
+            <a:ext cx="4961737" cy="1980320"/>
           </a:xfrm>
         </p:spPr>
         <p:txBody>
-          <a:bodyPr/>
+          <a:bodyPr>
+            <a:normAutofit/>
+          </a:bodyPr>
           <a:lstStyle/>
           <a:p>
             <a:r>
               <a:rPr lang="fr-FR" dirty="0"/>
-              <a:t>Value </a:t>
+              <a:t>Policy </a:t>
+            </a:r>
+            <a:r>
+              <a:rPr lang="fr-FR" dirty="0" err="1"/>
+              <a:t>evaluation</a:t>
+            </a:r>
+            <a:r>
+              <a:rPr lang="fr-FR" dirty="0"/>
+              <a:t> &amp; </a:t>
+            </a:r>
+            <a:r>
+              <a:rPr lang="fr-FR" dirty="0" err="1"/>
+              <a:t>policy</a:t>
+            </a:r>
+            <a:r>
+              <a:rPr lang="fr-FR" dirty="0"/>
+              <a:t> </a:t>
             </a:r>
             <a:r>
               <a:rPr lang="fr-FR" dirty="0" err="1"/>
@@ -14495,8 +14015,12 @@
           <a:p>
             <a:pPr lvl="1"/>
             <a:r>
-              <a:rPr lang="fr-FR" dirty="0"/>
-              <a:t>Line </a:t>
+              <a:rPr lang="fr-FR" dirty="0" err="1"/>
+              <a:t>Grid</a:t>
+            </a:r>
+            <a:r>
+              <a:rPr lang="fr-FR" dirty="0"/>
+              <a:t> </a:t>
             </a:r>
             <a:r>
               <a:rPr lang="fr-FR" dirty="0" err="1"/>
@@ -14508,7 +14032,7 @@
             <a:pPr lvl="2"/>
             <a:r>
               <a:rPr lang="fr-FR" dirty="0"/>
-              <a:t>Gamma 1,0</a:t>
+              <a:t>Gamma 0,99</a:t>
             </a:r>
           </a:p>
           <a:p>
@@ -14519,24 +14043,8 @@
             </a:r>
             <a:r>
               <a:rPr lang="fr-FR" dirty="0"/>
-              <a:t> 0,001</a:t>
-            </a:r>
-          </a:p>
-          <a:p>
-            <a:pPr lvl="2"/>
-            <a:r>
-              <a:rPr lang="fr-FR" dirty="0"/>
-              <a:t>% de </a:t>
-            </a:r>
-            <a:r>
-              <a:rPr lang="fr-FR" dirty="0" err="1"/>
-              <a:t>win</a:t>
-            </a:r>
-            <a:endParaRPr lang="fr-FR" dirty="0"/>
-          </a:p>
-          <a:p>
-            <a:pPr lvl="1"/>
-            <a:endParaRPr lang="fr-FR" dirty="0"/>
+              <a:t> 0,00001</a:t>
+            </a:r>
           </a:p>
           <a:p>
             <a:endParaRPr lang="fr-FR" dirty="0"/>
@@ -14548,7 +14056,7 @@
           <p:cNvPr id="3" name="Espace réservé du numéro de diapositive 2">
             <a:extLst>
               <a:ext uri="{FF2B5EF4-FFF2-40B4-BE49-F238E27FC236}">
-                <a16:creationId xmlns:a16="http://schemas.microsoft.com/office/drawing/2014/main" id="{518273FF-2195-4710-A885-7B19579D7CA1}"/>
+                <a16:creationId xmlns:a16="http://schemas.microsoft.com/office/drawing/2014/main" id="{D8C1DD56-630E-4785-B01F-724D4BBD5AFD}"/>
               </a:ext>
             </a:extLst>
           </p:cNvPr>
@@ -14572,10 +14080,57 @@
           </a:p>
         </p:txBody>
       </p:sp>
+      <p:pic>
+        <p:nvPicPr>
+          <p:cNvPr id="3074" name="Picture 2">
+            <a:extLst>
+              <a:ext uri="{FF2B5EF4-FFF2-40B4-BE49-F238E27FC236}">
+                <a16:creationId xmlns:a16="http://schemas.microsoft.com/office/drawing/2014/main" id="{01A2D2A0-0D78-401F-98F9-7D047016AA5C}"/>
+              </a:ext>
+            </a:extLst>
+          </p:cNvPr>
+          <p:cNvPicPr>
+            <a:picLocks noChangeAspect="1" noChangeArrowheads="1"/>
+          </p:cNvPicPr>
+          <p:nvPr/>
+        </p:nvPicPr>
+        <p:blipFill>
+          <a:blip r:embed="rId2">
+            <a:extLst>
+              <a:ext uri="{28A0092B-C50C-407E-A947-70E740481C1C}">
+                <a14:useLocalDpi xmlns:a14="http://schemas.microsoft.com/office/drawing/2010/main" val="0"/>
+              </a:ext>
+            </a:extLst>
+          </a:blip>
+          <a:srcRect/>
+          <a:stretch>
+            <a:fillRect/>
+          </a:stretch>
+        </p:blipFill>
+        <p:spPr bwMode="auto">
+          <a:xfrm>
+            <a:off x="3367272" y="3150964"/>
+            <a:ext cx="3962400" cy="3114675"/>
+          </a:xfrm>
+          <a:prstGeom prst="rect">
+            <a:avLst/>
+          </a:prstGeom>
+          <a:noFill/>
+          <a:extLst>
+            <a:ext uri="{909E8E84-426E-40DD-AFC4-6F175D3DCCD1}">
+              <a14:hiddenFill xmlns:a14="http://schemas.microsoft.com/office/drawing/2010/main">
+                <a:solidFill>
+                  <a:srgbClr val="FFFFFF"/>
+                </a:solidFill>
+              </a14:hiddenFill>
+            </a:ext>
+          </a:extLst>
+        </p:spPr>
+      </p:pic>
     </p:spTree>
     <p:extLst>
       <p:ext uri="{BB962C8B-B14F-4D97-AF65-F5344CB8AC3E}">
-        <p14:creationId xmlns:p14="http://schemas.microsoft.com/office/powerpoint/2010/main" val="2056776689"/>
+        <p14:creationId xmlns:p14="http://schemas.microsoft.com/office/powerpoint/2010/main" val="3219190364"/>
       </p:ext>
     </p:extLst>
   </p:cSld>
@@ -14667,11 +14222,11 @@
           <a:p>
             <a:r>
               <a:rPr lang="fr-FR" dirty="0"/>
-              <a:t>Policy </a:t>
+              <a:t>Value </a:t>
             </a:r>
             <a:r>
               <a:rPr lang="fr-FR" dirty="0" err="1"/>
-              <a:t>evaluation</a:t>
+              <a:t>iteration</a:t>
             </a:r>
             <a:endParaRPr lang="fr-FR" dirty="0"/>
           </a:p>
@@ -14695,7 +14250,7 @@
             <a:pPr lvl="2"/>
             <a:r>
               <a:rPr lang="fr-FR" dirty="0"/>
-              <a:t>Gamma 1,0</a:t>
+              <a:t>Gamma 0,99</a:t>
             </a:r>
           </a:p>
           <a:p>
@@ -14706,24 +14261,8 @@
             </a:r>
             <a:r>
               <a:rPr lang="fr-FR" dirty="0"/>
-              <a:t> 0,001</a:t>
-            </a:r>
-          </a:p>
-          <a:p>
-            <a:pPr lvl="2"/>
-            <a:r>
-              <a:rPr lang="fr-FR" dirty="0"/>
-              <a:t>% de </a:t>
-            </a:r>
-            <a:r>
-              <a:rPr lang="fr-FR" dirty="0" err="1"/>
-              <a:t>win</a:t>
-            </a:r>
-            <a:endParaRPr lang="fr-FR" dirty="0"/>
-          </a:p>
-          <a:p>
-            <a:pPr lvl="1"/>
-            <a:endParaRPr lang="fr-FR" dirty="0"/>
+              <a:t> 0,00001</a:t>
+            </a:r>
           </a:p>
           <a:p>
             <a:endParaRPr lang="fr-FR" dirty="0"/>
@@ -14735,7 +14274,7 @@
           <p:cNvPr id="3" name="Espace réservé du numéro de diapositive 2">
             <a:extLst>
               <a:ext uri="{FF2B5EF4-FFF2-40B4-BE49-F238E27FC236}">
-                <a16:creationId xmlns:a16="http://schemas.microsoft.com/office/drawing/2014/main" id="{D8C1DD56-630E-4785-B01F-724D4BBD5AFD}"/>
+                <a16:creationId xmlns:a16="http://schemas.microsoft.com/office/drawing/2014/main" id="{ED3E9B85-3F45-4BDC-89E2-F090E9DEE43C}"/>
               </a:ext>
             </a:extLst>
           </p:cNvPr>
@@ -14759,10 +14298,57 @@
           </a:p>
         </p:txBody>
       </p:sp>
+      <p:pic>
+        <p:nvPicPr>
+          <p:cNvPr id="4098" name="Picture 2">
+            <a:extLst>
+              <a:ext uri="{FF2B5EF4-FFF2-40B4-BE49-F238E27FC236}">
+                <a16:creationId xmlns:a16="http://schemas.microsoft.com/office/drawing/2014/main" id="{0F7CCA2C-511D-487B-A427-E18BF568CF28}"/>
+              </a:ext>
+            </a:extLst>
+          </p:cNvPr>
+          <p:cNvPicPr>
+            <a:picLocks noChangeAspect="1" noChangeArrowheads="1"/>
+          </p:cNvPicPr>
+          <p:nvPr/>
+        </p:nvPicPr>
+        <p:blipFill>
+          <a:blip r:embed="rId2">
+            <a:extLst>
+              <a:ext uri="{28A0092B-C50C-407E-A947-70E740481C1C}">
+                <a14:useLocalDpi xmlns:a14="http://schemas.microsoft.com/office/drawing/2010/main" val="0"/>
+              </a:ext>
+            </a:extLst>
+          </a:blip>
+          <a:srcRect/>
+          <a:stretch>
+            <a:fillRect/>
+          </a:stretch>
+        </p:blipFill>
+        <p:spPr bwMode="auto">
+          <a:xfrm>
+            <a:off x="3367272" y="3290607"/>
+            <a:ext cx="3962400" cy="3114675"/>
+          </a:xfrm>
+          <a:prstGeom prst="rect">
+            <a:avLst/>
+          </a:prstGeom>
+          <a:noFill/>
+          <a:extLst>
+            <a:ext uri="{909E8E84-426E-40DD-AFC4-6F175D3DCCD1}">
+              <a14:hiddenFill xmlns:a14="http://schemas.microsoft.com/office/drawing/2010/main">
+                <a:solidFill>
+                  <a:srgbClr val="FFFFFF"/>
+                </a:solidFill>
+              </a14:hiddenFill>
+            </a:ext>
+          </a:extLst>
+        </p:spPr>
+      </p:pic>
     </p:spTree>
     <p:extLst>
       <p:ext uri="{BB962C8B-B14F-4D97-AF65-F5344CB8AC3E}">
-        <p14:creationId xmlns:p14="http://schemas.microsoft.com/office/powerpoint/2010/main" val="3219190364"/>
+        <p14:creationId xmlns:p14="http://schemas.microsoft.com/office/powerpoint/2010/main" val="939413680"/>
       </p:ext>
     </p:extLst>
   </p:cSld>
@@ -14845,7 +14431,7 @@
         <p:spPr>
           <a:xfrm>
             <a:off x="3971908" y="1448680"/>
-            <a:ext cx="4248183" cy="1980320"/>
+            <a:ext cx="5133455" cy="1980320"/>
           </a:xfrm>
         </p:spPr>
         <p:txBody>
@@ -14858,6 +14444,22 @@
             </a:r>
             <a:r>
               <a:rPr lang="fr-FR" dirty="0" err="1"/>
+              <a:t>evaluation</a:t>
+            </a:r>
+            <a:r>
+              <a:rPr lang="fr-FR" dirty="0"/>
+              <a:t> &amp; </a:t>
+            </a:r>
+            <a:r>
+              <a:rPr lang="fr-FR" dirty="0" err="1"/>
+              <a:t>policy</a:t>
+            </a:r>
+            <a:r>
+              <a:rPr lang="fr-FR" dirty="0"/>
+              <a:t> </a:t>
+            </a:r>
+            <a:r>
+              <a:rPr lang="fr-FR" dirty="0" err="1"/>
               <a:t>iteration</a:t>
             </a:r>
             <a:endParaRPr lang="fr-FR" dirty="0"/>
@@ -14865,24 +14467,23 @@
           <a:p>
             <a:pPr lvl="1"/>
             <a:r>
+              <a:rPr lang="fr-FR" dirty="0"/>
+              <a:t>Secret </a:t>
+            </a:r>
+            <a:r>
               <a:rPr lang="fr-FR" dirty="0" err="1"/>
-              <a:t>Grid</a:t>
-            </a:r>
-            <a:r>
-              <a:rPr lang="fr-FR" dirty="0"/>
-              <a:t> </a:t>
-            </a:r>
-            <a:r>
-              <a:rPr lang="fr-FR" dirty="0" err="1"/>
-              <a:t>word</a:t>
-            </a:r>
-            <a:endParaRPr lang="fr-FR" dirty="0"/>
+              <a:t>env</a:t>
+            </a:r>
+            <a:r>
+              <a:rPr lang="fr-FR" dirty="0"/>
+              <a:t> 1</a:t>
+            </a:r>
           </a:p>
           <a:p>
             <a:pPr lvl="2"/>
             <a:r>
               <a:rPr lang="fr-FR" dirty="0"/>
-              <a:t>Gamma 1,0</a:t>
+              <a:t>Gamma 0,99</a:t>
             </a:r>
           </a:p>
           <a:p>
@@ -14893,24 +14494,8 @@
             </a:r>
             <a:r>
               <a:rPr lang="fr-FR" dirty="0"/>
-              <a:t> 0,001</a:t>
-            </a:r>
-          </a:p>
-          <a:p>
-            <a:pPr lvl="2"/>
-            <a:r>
-              <a:rPr lang="fr-FR" dirty="0"/>
-              <a:t>% de </a:t>
-            </a:r>
-            <a:r>
-              <a:rPr lang="fr-FR" dirty="0" err="1"/>
-              <a:t>win</a:t>
-            </a:r>
-            <a:endParaRPr lang="fr-FR" dirty="0"/>
-          </a:p>
-          <a:p>
-            <a:pPr lvl="1"/>
-            <a:endParaRPr lang="fr-FR" dirty="0"/>
+              <a:t> 0,00001</a:t>
+            </a:r>
           </a:p>
           <a:p>
             <a:endParaRPr lang="fr-FR" dirty="0"/>
@@ -14922,7 +14507,7 @@
           <p:cNvPr id="3" name="Espace réservé du numéro de diapositive 2">
             <a:extLst>
               <a:ext uri="{FF2B5EF4-FFF2-40B4-BE49-F238E27FC236}">
-                <a16:creationId xmlns:a16="http://schemas.microsoft.com/office/drawing/2014/main" id="{9BDDA145-41B4-4882-9069-CBF20201839D}"/>
+                <a16:creationId xmlns:a16="http://schemas.microsoft.com/office/drawing/2014/main" id="{697DEB02-E8CA-422F-B77F-0F2CB716B5BF}"/>
               </a:ext>
             </a:extLst>
           </p:cNvPr>
@@ -14946,10 +14531,57 @@
           </a:p>
         </p:txBody>
       </p:sp>
+      <p:pic>
+        <p:nvPicPr>
+          <p:cNvPr id="5122" name="Picture 2">
+            <a:extLst>
+              <a:ext uri="{FF2B5EF4-FFF2-40B4-BE49-F238E27FC236}">
+                <a16:creationId xmlns:a16="http://schemas.microsoft.com/office/drawing/2014/main" id="{C4A7D401-A310-463F-B16E-0ED99CF46C35}"/>
+              </a:ext>
+            </a:extLst>
+          </p:cNvPr>
+          <p:cNvPicPr>
+            <a:picLocks noChangeAspect="1" noChangeArrowheads="1"/>
+          </p:cNvPicPr>
+          <p:nvPr/>
+        </p:nvPicPr>
+        <p:blipFill>
+          <a:blip r:embed="rId2">
+            <a:extLst>
+              <a:ext uri="{28A0092B-C50C-407E-A947-70E740481C1C}">
+                <a14:useLocalDpi xmlns:a14="http://schemas.microsoft.com/office/drawing/2010/main" val="0"/>
+              </a:ext>
+            </a:extLst>
+          </a:blip>
+          <a:srcRect/>
+          <a:stretch>
+            <a:fillRect/>
+          </a:stretch>
+        </p:blipFill>
+        <p:spPr bwMode="auto">
+          <a:xfrm>
+            <a:off x="4076700" y="3168136"/>
+            <a:ext cx="4038600" cy="3114675"/>
+          </a:xfrm>
+          <a:prstGeom prst="rect">
+            <a:avLst/>
+          </a:prstGeom>
+          <a:noFill/>
+          <a:extLst>
+            <a:ext uri="{909E8E84-426E-40DD-AFC4-6F175D3DCCD1}">
+              <a14:hiddenFill xmlns:a14="http://schemas.microsoft.com/office/drawing/2010/main">
+                <a:solidFill>
+                  <a:srgbClr val="FFFFFF"/>
+                </a:solidFill>
+              </a14:hiddenFill>
+            </a:ext>
+          </a:extLst>
+        </p:spPr>
+      </p:pic>
     </p:spTree>
     <p:extLst>
       <p:ext uri="{BB962C8B-B14F-4D97-AF65-F5344CB8AC3E}">
-        <p14:creationId xmlns:p14="http://schemas.microsoft.com/office/powerpoint/2010/main" val="3540561297"/>
+        <p14:creationId xmlns:p14="http://schemas.microsoft.com/office/powerpoint/2010/main" val="2786353841"/>
       </p:ext>
     </p:extLst>
   </p:cSld>
@@ -15052,24 +14684,23 @@
           <a:p>
             <a:pPr lvl="1"/>
             <a:r>
+              <a:rPr lang="fr-FR" dirty="0"/>
+              <a:t>Secret </a:t>
+            </a:r>
+            <a:r>
               <a:rPr lang="fr-FR" dirty="0" err="1"/>
-              <a:t>Grid</a:t>
-            </a:r>
-            <a:r>
-              <a:rPr lang="fr-FR" dirty="0"/>
-              <a:t> </a:t>
-            </a:r>
-            <a:r>
-              <a:rPr lang="fr-FR" dirty="0" err="1"/>
-              <a:t>word</a:t>
-            </a:r>
-            <a:endParaRPr lang="fr-FR" dirty="0"/>
+              <a:t>env</a:t>
+            </a:r>
+            <a:r>
+              <a:rPr lang="fr-FR" dirty="0"/>
+              <a:t> 1</a:t>
+            </a:r>
           </a:p>
           <a:p>
             <a:pPr lvl="2"/>
             <a:r>
               <a:rPr lang="fr-FR" dirty="0"/>
-              <a:t>Gamma 1,0</a:t>
+              <a:t>Gamma 0,99</a:t>
             </a:r>
           </a:p>
           <a:p>
@@ -15080,24 +14711,8 @@
             </a:r>
             <a:r>
               <a:rPr lang="fr-FR" dirty="0"/>
-              <a:t> 0,001</a:t>
-            </a:r>
-          </a:p>
-          <a:p>
-            <a:pPr lvl="2"/>
-            <a:r>
-              <a:rPr lang="fr-FR" dirty="0"/>
-              <a:t>% de </a:t>
-            </a:r>
-            <a:r>
-              <a:rPr lang="fr-FR" dirty="0" err="1"/>
-              <a:t>win</a:t>
-            </a:r>
-            <a:endParaRPr lang="fr-FR" dirty="0"/>
-          </a:p>
-          <a:p>
-            <a:pPr lvl="1"/>
-            <a:endParaRPr lang="fr-FR" dirty="0"/>
+              <a:t> 0,00001</a:t>
+            </a:r>
           </a:p>
           <a:p>
             <a:endParaRPr lang="fr-FR" dirty="0"/>
@@ -15109,7 +14724,7 @@
           <p:cNvPr id="3" name="Espace réservé du numéro de diapositive 2">
             <a:extLst>
               <a:ext uri="{FF2B5EF4-FFF2-40B4-BE49-F238E27FC236}">
-                <a16:creationId xmlns:a16="http://schemas.microsoft.com/office/drawing/2014/main" id="{ED3E9B85-3F45-4BDC-89E2-F090E9DEE43C}"/>
+                <a16:creationId xmlns:a16="http://schemas.microsoft.com/office/drawing/2014/main" id="{67E6E145-599C-4181-9DE2-F7F669FA721F}"/>
               </a:ext>
             </a:extLst>
           </p:cNvPr>
@@ -15133,10 +14748,57 @@
           </a:p>
         </p:txBody>
       </p:sp>
+      <p:pic>
+        <p:nvPicPr>
+          <p:cNvPr id="6148" name="Picture 4">
+            <a:extLst>
+              <a:ext uri="{FF2B5EF4-FFF2-40B4-BE49-F238E27FC236}">
+                <a16:creationId xmlns:a16="http://schemas.microsoft.com/office/drawing/2014/main" id="{4B2DC7DB-AE58-4E95-9F31-87DCE0FE278E}"/>
+              </a:ext>
+            </a:extLst>
+          </p:cNvPr>
+          <p:cNvPicPr>
+            <a:picLocks noChangeAspect="1" noChangeArrowheads="1"/>
+          </p:cNvPicPr>
+          <p:nvPr/>
+        </p:nvPicPr>
+        <p:blipFill>
+          <a:blip r:embed="rId2">
+            <a:extLst>
+              <a:ext uri="{28A0092B-C50C-407E-A947-70E740481C1C}">
+                <a14:useLocalDpi xmlns:a14="http://schemas.microsoft.com/office/drawing/2010/main" val="0"/>
+              </a:ext>
+            </a:extLst>
+          </a:blip>
+          <a:srcRect/>
+          <a:stretch>
+            <a:fillRect/>
+          </a:stretch>
+        </p:blipFill>
+        <p:spPr bwMode="auto">
+          <a:xfrm>
+            <a:off x="4110036" y="3241117"/>
+            <a:ext cx="3971925" cy="3114675"/>
+          </a:xfrm>
+          <a:prstGeom prst="rect">
+            <a:avLst/>
+          </a:prstGeom>
+          <a:noFill/>
+          <a:extLst>
+            <a:ext uri="{909E8E84-426E-40DD-AFC4-6F175D3DCCD1}">
+              <a14:hiddenFill xmlns:a14="http://schemas.microsoft.com/office/drawing/2010/main">
+                <a:solidFill>
+                  <a:srgbClr val="FFFFFF"/>
+                </a:solidFill>
+              </a14:hiddenFill>
+            </a:ext>
+          </a:extLst>
+        </p:spPr>
+      </p:pic>
     </p:spTree>
     <p:extLst>
       <p:ext uri="{BB962C8B-B14F-4D97-AF65-F5344CB8AC3E}">
-        <p14:creationId xmlns:p14="http://schemas.microsoft.com/office/powerpoint/2010/main" val="939413680"/>
+        <p14:creationId xmlns:p14="http://schemas.microsoft.com/office/powerpoint/2010/main" val="2653957047"/>
       </p:ext>
     </p:extLst>
   </p:cSld>

--- a/PPT_DRL.pptx
+++ b/PPT_DRL.pptx
@@ -221,7 +221,7 @@
           <a:p>
             <a:fld id="{799546F8-97D5-4632-8CA8-AD94260F8B10}" type="datetimeFigureOut">
               <a:rPr lang="fr-FR" smtClean="0"/>
-              <a:t>27/07/2021</a:t>
+              <a:t>29/07/2021</a:t>
             </a:fld>
             <a:endParaRPr lang="fr-FR"/>
           </a:p>
@@ -674,7 +674,7 @@
           <a:p>
             <a:fld id="{E7EF0CBE-BD1F-406A-A512-F6493EEA0B5C}" type="datetime1">
               <a:rPr lang="en-US" smtClean="0"/>
-              <a:t>7/27/2021</a:t>
+              <a:t>7/29/2021</a:t>
             </a:fld>
             <a:endParaRPr lang="en-US" dirty="0"/>
           </a:p>
@@ -944,7 +944,7 @@
           <a:p>
             <a:fld id="{C2A58C18-E2EA-472F-8FB3-CE3F239B3A0A}" type="datetime1">
               <a:rPr lang="en-US" smtClean="0"/>
-              <a:t>7/27/2021</a:t>
+              <a:t>7/29/2021</a:t>
             </a:fld>
             <a:endParaRPr lang="en-US" dirty="0"/>
           </a:p>
@@ -1133,7 +1133,7 @@
           <a:p>
             <a:fld id="{B59F5AF1-BB8F-4D1F-8AE0-A2D5AF243B9C}" type="datetime1">
               <a:rPr lang="en-US" smtClean="0"/>
-              <a:t>7/27/2021</a:t>
+              <a:t>7/29/2021</a:t>
             </a:fld>
             <a:endParaRPr lang="en-US" dirty="0"/>
           </a:p>
@@ -1401,7 +1401,7 @@
           <a:p>
             <a:fld id="{AE198D86-50BD-43B1-B568-F37CB3E85EDC}" type="datetime1">
               <a:rPr lang="en-US" smtClean="0"/>
-              <a:t>7/27/2021</a:t>
+              <a:t>7/29/2021</a:t>
             </a:fld>
             <a:endParaRPr lang="en-US" dirty="0"/>
           </a:p>
@@ -1737,7 +1737,7 @@
           <a:p>
             <a:fld id="{8DF4EE5A-1C0A-48B1-88F8-182B60F0AE84}" type="datetime1">
               <a:rPr lang="en-US" smtClean="0"/>
-              <a:t>7/27/2021</a:t>
+              <a:t>7/29/2021</a:t>
             </a:fld>
             <a:endParaRPr lang="en-US" dirty="0"/>
           </a:p>
@@ -2355,7 +2355,7 @@
           <a:p>
             <a:fld id="{5D327459-9C43-41EB-A37F-600828CFC2A3}" type="datetime1">
               <a:rPr lang="en-US" smtClean="0"/>
-              <a:t>7/27/2021</a:t>
+              <a:t>7/29/2021</a:t>
             </a:fld>
             <a:endParaRPr lang="en-US" dirty="0"/>
           </a:p>
@@ -3210,7 +3210,7 @@
           <a:p>
             <a:fld id="{F411B412-1C92-4E81-BDAB-4394EFA40248}" type="datetime1">
               <a:rPr lang="en-US" smtClean="0"/>
-              <a:t>7/27/2021</a:t>
+              <a:t>7/29/2021</a:t>
             </a:fld>
             <a:endParaRPr lang="en-US" dirty="0"/>
           </a:p>
@@ -3375,7 +3375,7 @@
           <a:p>
             <a:fld id="{CC2EFD98-5A17-4072-A85D-F470B821B56B}" type="datetime1">
               <a:rPr lang="en-US" smtClean="0"/>
-              <a:t>7/27/2021</a:t>
+              <a:t>7/29/2021</a:t>
             </a:fld>
             <a:endParaRPr lang="en-US" dirty="0"/>
           </a:p>
@@ -3550,7 +3550,7 @@
           <a:p>
             <a:fld id="{21667002-63C4-4865-9B6F-5D464078E2DD}" type="datetime1">
               <a:rPr lang="en-US" smtClean="0"/>
-              <a:t>7/27/2021</a:t>
+              <a:t>7/29/2021</a:t>
             </a:fld>
             <a:endParaRPr lang="en-US" dirty="0"/>
           </a:p>
@@ -3715,7 +3715,7 @@
           <a:p>
             <a:fld id="{4CE249A9-4094-4304-8059-86BAAA8DC7C0}" type="datetime1">
               <a:rPr lang="en-US" smtClean="0"/>
-              <a:t>7/27/2021</a:t>
+              <a:t>7/29/2021</a:t>
             </a:fld>
             <a:endParaRPr lang="en-US" dirty="0"/>
           </a:p>
@@ -3957,7 +3957,7 @@
           <a:p>
             <a:fld id="{2A5BE2C4-5E7B-49F3-9953-B78EEB9B04D0}" type="datetime1">
               <a:rPr lang="en-US" smtClean="0"/>
-              <a:t>7/27/2021</a:t>
+              <a:t>7/29/2021</a:t>
             </a:fld>
             <a:endParaRPr lang="en-US" dirty="0"/>
           </a:p>
@@ -4244,7 +4244,7 @@
           <a:p>
             <a:fld id="{D4D65398-2C59-4BB8-8B6C-DACF504BBB66}" type="datetime1">
               <a:rPr lang="en-US" smtClean="0"/>
-              <a:t>7/27/2021</a:t>
+              <a:t>7/29/2021</a:t>
             </a:fld>
             <a:endParaRPr lang="en-US" dirty="0"/>
           </a:p>
@@ -4683,7 +4683,7 @@
           <a:p>
             <a:fld id="{37D30813-81EF-4C57-941E-193AA3A5BBB4}" type="datetime1">
               <a:rPr lang="en-US" smtClean="0"/>
-              <a:t>7/27/2021</a:t>
+              <a:t>7/29/2021</a:t>
             </a:fld>
             <a:endParaRPr lang="en-US" dirty="0"/>
           </a:p>
@@ -4796,7 +4796,7 @@
           <a:p>
             <a:fld id="{95036D51-103E-4635-9A56-78B9B74F565A}" type="datetime1">
               <a:rPr lang="en-US" smtClean="0"/>
-              <a:t>7/27/2021</a:t>
+              <a:t>7/29/2021</a:t>
             </a:fld>
             <a:endParaRPr lang="en-US" dirty="0"/>
           </a:p>
@@ -4886,7 +4886,7 @@
           <a:p>
             <a:fld id="{63DFB2A1-A6D0-45E5-A076-4F83DB1D7EFF}" type="datetime1">
               <a:rPr lang="en-US" smtClean="0"/>
-              <a:t>7/27/2021</a:t>
+              <a:t>7/29/2021</a:t>
             </a:fld>
             <a:endParaRPr lang="en-US" dirty="0"/>
           </a:p>
@@ -5160,7 +5160,7 @@
           <a:p>
             <a:fld id="{5AA0BEB8-649D-419E-A99A-BFFB670135BC}" type="datetime1">
               <a:rPr lang="en-US" smtClean="0"/>
-              <a:t>7/27/2021</a:t>
+              <a:t>7/29/2021</a:t>
             </a:fld>
             <a:endParaRPr lang="en-US" dirty="0"/>
           </a:p>
@@ -5430,7 +5430,7 @@
           <a:p>
             <a:fld id="{FDF9EF18-B985-4FBC-8810-20217C0EBED2}" type="datetime1">
               <a:rPr lang="en-US" smtClean="0"/>
-              <a:t>7/27/2021</a:t>
+              <a:t>7/29/2021</a:t>
             </a:fld>
             <a:endParaRPr lang="en-US" dirty="0"/>
           </a:p>
@@ -5854,7 +5854,7 @@
           <a:p>
             <a:fld id="{FD5A2877-BE4B-4DA3-8513-AD034CF60E4A}" type="datetime1">
               <a:rPr lang="en-US" smtClean="0"/>
-              <a:t>7/27/2021</a:t>
+              <a:t>7/29/2021</a:t>
             </a:fld>
             <a:endParaRPr lang="en-US" dirty="0"/>
           </a:p>
@@ -13632,49 +13632,32 @@
       </p:sp>
       <p:pic>
         <p:nvPicPr>
-          <p:cNvPr id="1026" name="Picture 2">
+          <p:cNvPr id="4" name="Image 3">
             <a:extLst>
               <a:ext uri="{FF2B5EF4-FFF2-40B4-BE49-F238E27FC236}">
-                <a16:creationId xmlns:a16="http://schemas.microsoft.com/office/drawing/2014/main" id="{2CDEAAF7-C2A5-4C54-BA35-38550DBEEE17}"/>
+                <a16:creationId xmlns:a16="http://schemas.microsoft.com/office/drawing/2014/main" id="{76E3A73C-8DC4-4B6D-B71C-CA18371C8F2A}"/>
               </a:ext>
             </a:extLst>
           </p:cNvPr>
           <p:cNvPicPr>
-            <a:picLocks noChangeAspect="1" noChangeArrowheads="1"/>
+            <a:picLocks noChangeAspect="1"/>
           </p:cNvPicPr>
           <p:nvPr/>
         </p:nvPicPr>
         <p:blipFill>
-          <a:blip r:embed="rId2">
-            <a:extLst>
-              <a:ext uri="{28A0092B-C50C-407E-A947-70E740481C1C}">
-                <a14:useLocalDpi xmlns:a14="http://schemas.microsoft.com/office/drawing/2010/main" val="0"/>
-              </a:ext>
-            </a:extLst>
-          </a:blip>
-          <a:srcRect/>
+          <a:blip r:embed="rId2"/>
           <a:stretch>
             <a:fillRect/>
           </a:stretch>
         </p:blipFill>
-        <p:spPr bwMode="auto">
+        <p:spPr>
           <a:xfrm>
-            <a:off x="3367272" y="3243263"/>
-            <a:ext cx="3962400" cy="3114675"/>
+            <a:off x="3733844" y="3110207"/>
+            <a:ext cx="4581615" cy="3264255"/>
           </a:xfrm>
           <a:prstGeom prst="rect">
             <a:avLst/>
           </a:prstGeom>
-          <a:noFill/>
-          <a:extLst>
-            <a:ext uri="{909E8E84-426E-40DD-AFC4-6F175D3DCCD1}">
-              <a14:hiddenFill xmlns:a14="http://schemas.microsoft.com/office/drawing/2010/main">
-                <a:solidFill>
-                  <a:srgbClr val="FFFFFF"/>
-                </a:solidFill>
-              </a14:hiddenFill>
-            </a:ext>
-          </a:extLst>
         </p:spPr>
       </p:pic>
     </p:spTree>
@@ -13846,49 +13829,32 @@
       </p:sp>
       <p:pic>
         <p:nvPicPr>
-          <p:cNvPr id="2050" name="Picture 2">
+          <p:cNvPr id="5" name="Image 4">
             <a:extLst>
               <a:ext uri="{FF2B5EF4-FFF2-40B4-BE49-F238E27FC236}">
-                <a16:creationId xmlns:a16="http://schemas.microsoft.com/office/drawing/2014/main" id="{4E09758F-0194-4623-8639-60B948692B3C}"/>
+                <a16:creationId xmlns:a16="http://schemas.microsoft.com/office/drawing/2014/main" id="{4292AC2E-7DB1-4962-A417-496331FCB6E9}"/>
               </a:ext>
             </a:extLst>
           </p:cNvPr>
           <p:cNvPicPr>
-            <a:picLocks noChangeAspect="1" noChangeArrowheads="1"/>
+            <a:picLocks noChangeAspect="1"/>
           </p:cNvPicPr>
           <p:nvPr/>
         </p:nvPicPr>
         <p:blipFill>
-          <a:blip r:embed="rId2">
-            <a:extLst>
-              <a:ext uri="{28A0092B-C50C-407E-A947-70E740481C1C}">
-                <a14:useLocalDpi xmlns:a14="http://schemas.microsoft.com/office/drawing/2010/main" val="0"/>
-              </a:ext>
-            </a:extLst>
-          </a:blip>
-          <a:srcRect/>
+          <a:blip r:embed="rId2"/>
           <a:stretch>
             <a:fillRect/>
           </a:stretch>
         </p:blipFill>
-        <p:spPr bwMode="auto">
+        <p:spPr>
           <a:xfrm>
-            <a:off x="3367272" y="3193894"/>
-            <a:ext cx="3962400" cy="3114675"/>
+            <a:off x="3229615" y="3132292"/>
+            <a:ext cx="4990476" cy="3555555"/>
           </a:xfrm>
           <a:prstGeom prst="rect">
             <a:avLst/>
           </a:prstGeom>
-          <a:noFill/>
-          <a:extLst>
-            <a:ext uri="{909E8E84-426E-40DD-AFC4-6F175D3DCCD1}">
-              <a14:hiddenFill xmlns:a14="http://schemas.microsoft.com/office/drawing/2010/main">
-                <a:solidFill>
-                  <a:srgbClr val="FFFFFF"/>
-                </a:solidFill>
-              </a14:hiddenFill>
-            </a:ext>
-          </a:extLst>
         </p:spPr>
       </p:pic>
     </p:spTree>
@@ -14082,49 +14048,32 @@
       </p:sp>
       <p:pic>
         <p:nvPicPr>
-          <p:cNvPr id="3074" name="Picture 2">
+          <p:cNvPr id="5" name="Image 4">
             <a:extLst>
               <a:ext uri="{FF2B5EF4-FFF2-40B4-BE49-F238E27FC236}">
-                <a16:creationId xmlns:a16="http://schemas.microsoft.com/office/drawing/2014/main" id="{01A2D2A0-0D78-401F-98F9-7D047016AA5C}"/>
+                <a16:creationId xmlns:a16="http://schemas.microsoft.com/office/drawing/2014/main" id="{8D86867E-CEE5-4B31-A3BF-A16B5C103E4B}"/>
               </a:ext>
             </a:extLst>
           </p:cNvPr>
           <p:cNvPicPr>
-            <a:picLocks noChangeAspect="1" noChangeArrowheads="1"/>
+            <a:picLocks noChangeAspect="1"/>
           </p:cNvPicPr>
           <p:nvPr/>
         </p:nvPicPr>
         <p:blipFill>
-          <a:blip r:embed="rId2">
-            <a:extLst>
-              <a:ext uri="{28A0092B-C50C-407E-A947-70E740481C1C}">
-                <a14:useLocalDpi xmlns:a14="http://schemas.microsoft.com/office/drawing/2010/main" val="0"/>
-              </a:ext>
-            </a:extLst>
-          </a:blip>
-          <a:srcRect/>
+          <a:blip r:embed="rId2"/>
           <a:stretch>
             <a:fillRect/>
           </a:stretch>
         </p:blipFill>
-        <p:spPr bwMode="auto">
+        <p:spPr>
           <a:xfrm>
-            <a:off x="3367272" y="3150964"/>
-            <a:ext cx="3962400" cy="3114675"/>
+            <a:off x="3835684" y="2959646"/>
+            <a:ext cx="4381038" cy="3851867"/>
           </a:xfrm>
           <a:prstGeom prst="rect">
             <a:avLst/>
           </a:prstGeom>
-          <a:noFill/>
-          <a:extLst>
-            <a:ext uri="{909E8E84-426E-40DD-AFC4-6F175D3DCCD1}">
-              <a14:hiddenFill xmlns:a14="http://schemas.microsoft.com/office/drawing/2010/main">
-                <a:solidFill>
-                  <a:srgbClr val="FFFFFF"/>
-                </a:solidFill>
-              </a14:hiddenFill>
-            </a:ext>
-          </a:extLst>
         </p:spPr>
       </p:pic>
     </p:spTree>
@@ -14300,49 +14249,32 @@
       </p:sp>
       <p:pic>
         <p:nvPicPr>
-          <p:cNvPr id="4098" name="Picture 2">
+          <p:cNvPr id="5" name="Image 4">
             <a:extLst>
               <a:ext uri="{FF2B5EF4-FFF2-40B4-BE49-F238E27FC236}">
-                <a16:creationId xmlns:a16="http://schemas.microsoft.com/office/drawing/2014/main" id="{0F7CCA2C-511D-487B-A427-E18BF568CF28}"/>
+                <a16:creationId xmlns:a16="http://schemas.microsoft.com/office/drawing/2014/main" id="{8BC6E1DB-37FD-46E4-818F-A265A61D2F5D}"/>
               </a:ext>
             </a:extLst>
           </p:cNvPr>
           <p:cNvPicPr>
-            <a:picLocks noChangeAspect="1" noChangeArrowheads="1"/>
+            <a:picLocks noChangeAspect="1"/>
           </p:cNvPicPr>
           <p:nvPr/>
         </p:nvPicPr>
         <p:blipFill>
-          <a:blip r:embed="rId2">
-            <a:extLst>
-              <a:ext uri="{28A0092B-C50C-407E-A947-70E740481C1C}">
-                <a14:useLocalDpi xmlns:a14="http://schemas.microsoft.com/office/drawing/2010/main" val="0"/>
-              </a:ext>
-            </a:extLst>
-          </a:blip>
-          <a:srcRect/>
+          <a:blip r:embed="rId2"/>
           <a:stretch>
             <a:fillRect/>
           </a:stretch>
         </p:blipFill>
-        <p:spPr bwMode="auto">
+        <p:spPr>
           <a:xfrm>
-            <a:off x="3367272" y="3290607"/>
-            <a:ext cx="3962400" cy="3114675"/>
+            <a:off x="3900077" y="3146738"/>
+            <a:ext cx="3821568" cy="3359974"/>
           </a:xfrm>
           <a:prstGeom prst="rect">
             <a:avLst/>
           </a:prstGeom>
-          <a:noFill/>
-          <a:extLst>
-            <a:ext uri="{909E8E84-426E-40DD-AFC4-6F175D3DCCD1}">
-              <a14:hiddenFill xmlns:a14="http://schemas.microsoft.com/office/drawing/2010/main">
-                <a:solidFill>
-                  <a:srgbClr val="FFFFFF"/>
-                </a:solidFill>
-              </a14:hiddenFill>
-            </a:ext>
-          </a:extLst>
         </p:spPr>
       </p:pic>
     </p:spTree>
@@ -14431,11 +14363,13 @@
         <p:spPr>
           <a:xfrm>
             <a:off x="3971908" y="1448680"/>
-            <a:ext cx="5133455" cy="1980320"/>
+            <a:ext cx="5133455" cy="4565754"/>
           </a:xfrm>
         </p:spPr>
         <p:txBody>
-          <a:bodyPr/>
+          <a:bodyPr>
+            <a:normAutofit/>
+          </a:bodyPr>
           <a:lstStyle/>
           <a:p>
             <a:r>
@@ -14499,6 +14433,30 @@
           </a:p>
           <a:p>
             <a:endParaRPr lang="fr-FR" dirty="0"/>
+          </a:p>
+          <a:p>
+            <a:endParaRPr lang="fr-FR" dirty="0"/>
+          </a:p>
+          <a:p>
+            <a:r>
+              <a:rPr lang="fr-FR" dirty="0"/>
+              <a:t>Impossible de visualiser cet environnement </a:t>
+            </a:r>
+          </a:p>
+          <a:p>
+            <a:pPr lvl="1"/>
+            <a:r>
+              <a:rPr lang="fr-FR" dirty="0"/>
+              <a:t>On obtient une value </a:t>
+            </a:r>
+            <a:r>
+              <a:rPr lang="fr-FR" dirty="0" err="1"/>
+              <a:t>function</a:t>
+            </a:r>
+            <a:r>
+              <a:rPr lang="fr-FR" dirty="0"/>
+              <a:t> proche de l’aléatoire</a:t>
+            </a:r>
           </a:p>
         </p:txBody>
       </p:sp>
@@ -14531,53 +14489,6 @@
           </a:p>
         </p:txBody>
       </p:sp>
-      <p:pic>
-        <p:nvPicPr>
-          <p:cNvPr id="5122" name="Picture 2">
-            <a:extLst>
-              <a:ext uri="{FF2B5EF4-FFF2-40B4-BE49-F238E27FC236}">
-                <a16:creationId xmlns:a16="http://schemas.microsoft.com/office/drawing/2014/main" id="{C4A7D401-A310-463F-B16E-0ED99CF46C35}"/>
-              </a:ext>
-            </a:extLst>
-          </p:cNvPr>
-          <p:cNvPicPr>
-            <a:picLocks noChangeAspect="1" noChangeArrowheads="1"/>
-          </p:cNvPicPr>
-          <p:nvPr/>
-        </p:nvPicPr>
-        <p:blipFill>
-          <a:blip r:embed="rId2">
-            <a:extLst>
-              <a:ext uri="{28A0092B-C50C-407E-A947-70E740481C1C}">
-                <a14:useLocalDpi xmlns:a14="http://schemas.microsoft.com/office/drawing/2010/main" val="0"/>
-              </a:ext>
-            </a:extLst>
-          </a:blip>
-          <a:srcRect/>
-          <a:stretch>
-            <a:fillRect/>
-          </a:stretch>
-        </p:blipFill>
-        <p:spPr bwMode="auto">
-          <a:xfrm>
-            <a:off x="4076700" y="3168136"/>
-            <a:ext cx="4038600" cy="3114675"/>
-          </a:xfrm>
-          <a:prstGeom prst="rect">
-            <a:avLst/>
-          </a:prstGeom>
-          <a:noFill/>
-          <a:extLst>
-            <a:ext uri="{909E8E84-426E-40DD-AFC4-6F175D3DCCD1}">
-              <a14:hiddenFill xmlns:a14="http://schemas.microsoft.com/office/drawing/2010/main">
-                <a:solidFill>
-                  <a:srgbClr val="FFFFFF"/>
-                </a:solidFill>
-              </a14:hiddenFill>
-            </a:ext>
-          </a:extLst>
-        </p:spPr>
-      </p:pic>
     </p:spTree>
     <p:extLst>
       <p:ext uri="{BB962C8B-B14F-4D97-AF65-F5344CB8AC3E}">
@@ -14663,8 +14574,8 @@
         </p:nvSpPr>
         <p:spPr>
           <a:xfrm>
-            <a:off x="3971908" y="1448680"/>
-            <a:ext cx="4248183" cy="1980320"/>
+            <a:off x="3971908" y="1448679"/>
+            <a:ext cx="4248183" cy="4668785"/>
           </a:xfrm>
         </p:spPr>
         <p:txBody>
@@ -14712,6 +14623,30 @@
             <a:r>
               <a:rPr lang="fr-FR" dirty="0"/>
               <a:t> 0,00001</a:t>
+            </a:r>
+          </a:p>
+          <a:p>
+            <a:endParaRPr lang="fr-FR" dirty="0"/>
+          </a:p>
+          <a:p>
+            <a:r>
+              <a:rPr lang="fr-FR" dirty="0"/>
+              <a:t>Impossible de visualiser cet environnement </a:t>
+            </a:r>
+          </a:p>
+          <a:p>
+            <a:pPr lvl="1"/>
+            <a:r>
+              <a:rPr lang="fr-FR" dirty="0"/>
+              <a:t>On obtient une value </a:t>
+            </a:r>
+            <a:r>
+              <a:rPr lang="fr-FR" dirty="0" err="1"/>
+              <a:t>function</a:t>
+            </a:r>
+            <a:r>
+              <a:rPr lang="fr-FR" dirty="0"/>
+              <a:t> proche de l’aléatoire</a:t>
             </a:r>
           </a:p>
           <a:p>
@@ -14748,53 +14683,6 @@
           </a:p>
         </p:txBody>
       </p:sp>
-      <p:pic>
-        <p:nvPicPr>
-          <p:cNvPr id="6148" name="Picture 4">
-            <a:extLst>
-              <a:ext uri="{FF2B5EF4-FFF2-40B4-BE49-F238E27FC236}">
-                <a16:creationId xmlns:a16="http://schemas.microsoft.com/office/drawing/2014/main" id="{4B2DC7DB-AE58-4E95-9F31-87DCE0FE278E}"/>
-              </a:ext>
-            </a:extLst>
-          </p:cNvPr>
-          <p:cNvPicPr>
-            <a:picLocks noChangeAspect="1" noChangeArrowheads="1"/>
-          </p:cNvPicPr>
-          <p:nvPr/>
-        </p:nvPicPr>
-        <p:blipFill>
-          <a:blip r:embed="rId2">
-            <a:extLst>
-              <a:ext uri="{28A0092B-C50C-407E-A947-70E740481C1C}">
-                <a14:useLocalDpi xmlns:a14="http://schemas.microsoft.com/office/drawing/2010/main" val="0"/>
-              </a:ext>
-            </a:extLst>
-          </a:blip>
-          <a:srcRect/>
-          <a:stretch>
-            <a:fillRect/>
-          </a:stretch>
-        </p:blipFill>
-        <p:spPr bwMode="auto">
-          <a:xfrm>
-            <a:off x="4110036" y="3241117"/>
-            <a:ext cx="3971925" cy="3114675"/>
-          </a:xfrm>
-          <a:prstGeom prst="rect">
-            <a:avLst/>
-          </a:prstGeom>
-          <a:noFill/>
-          <a:extLst>
-            <a:ext uri="{909E8E84-426E-40DD-AFC4-6F175D3DCCD1}">
-              <a14:hiddenFill xmlns:a14="http://schemas.microsoft.com/office/drawing/2010/main">
-                <a:solidFill>
-                  <a:srgbClr val="FFFFFF"/>
-                </a:solidFill>
-              </a14:hiddenFill>
-            </a:ext>
-          </a:extLst>
-        </p:spPr>
-      </p:pic>
     </p:spTree>
     <p:extLst>
       <p:ext uri="{BB962C8B-B14F-4D97-AF65-F5344CB8AC3E}">

--- a/PPT_DRL.pptx
+++ b/PPT_DRL.pptx
@@ -12788,78 +12788,63 @@
           </a:p>
           <a:p>
             <a:r>
+              <a:rPr lang="fr-FR" dirty="0"/>
+              <a:t>TIC TAC TOE</a:t>
+            </a:r>
+          </a:p>
+          <a:p>
+            <a:pPr lvl="1"/>
+            <a:r>
+              <a:rPr lang="fr-FR" dirty="0"/>
+              <a:t>On </a:t>
+            </a:r>
+            <a:r>
+              <a:rPr lang="fr-FR" dirty="0" err="1"/>
+              <a:t>policy</a:t>
+            </a:r>
+            <a:r>
+              <a:rPr lang="fr-FR" dirty="0"/>
+              <a:t> first </a:t>
+            </a:r>
+            <a:r>
+              <a:rPr lang="fr-FR" dirty="0" err="1"/>
+              <a:t>visit</a:t>
+            </a:r>
+            <a:r>
+              <a:rPr lang="fr-FR" dirty="0"/>
+              <a:t> Monte </a:t>
+            </a:r>
+            <a:r>
+              <a:rPr lang="fr-FR" dirty="0" err="1"/>
+              <a:t>carlo</a:t>
+            </a:r>
+            <a:r>
+              <a:rPr lang="fr-FR" dirty="0"/>
+              <a:t> avec 94 % de </a:t>
+            </a:r>
+            <a:r>
+              <a:rPr lang="fr-FR" dirty="0" err="1"/>
+              <a:t>win</a:t>
+            </a:r>
+            <a:r>
+              <a:rPr lang="fr-FR" dirty="0"/>
+              <a:t> pour 100 000 parties</a:t>
+            </a:r>
+          </a:p>
+          <a:p>
+            <a:r>
+              <a:rPr lang="fr-FR" dirty="0"/>
+              <a:t>SECRET ENV 1</a:t>
+            </a:r>
+          </a:p>
+          <a:p>
+            <a:r>
               <a:rPr lang="fr-FR"/>
-              <a:t>TIC </a:t>
-            </a:r>
-            <a:r>
-              <a:rPr lang="fr-FR" dirty="0"/>
-              <a:t>TAC TOE</a:t>
-            </a:r>
-          </a:p>
-          <a:p>
-            <a:pPr lvl="1"/>
-            <a:r>
-              <a:rPr lang="fr-FR" dirty="0"/>
-              <a:t>On </a:t>
-            </a:r>
-            <a:r>
-              <a:rPr lang="fr-FR" dirty="0" err="1"/>
-              <a:t>policy</a:t>
-            </a:r>
-            <a:r>
-              <a:rPr lang="fr-FR" dirty="0"/>
-              <a:t> first </a:t>
-            </a:r>
-            <a:r>
-              <a:rPr lang="fr-FR" dirty="0" err="1"/>
-              <a:t>visit</a:t>
-            </a:r>
-            <a:r>
-              <a:rPr lang="fr-FR" dirty="0"/>
-              <a:t> Monte </a:t>
-            </a:r>
-            <a:r>
-              <a:rPr lang="fr-FR" dirty="0" err="1"/>
-              <a:t>carlo</a:t>
-            </a:r>
-            <a:r>
-              <a:rPr lang="fr-FR" dirty="0"/>
-              <a:t> avec 94 % de </a:t>
-            </a:r>
-            <a:r>
-              <a:rPr lang="fr-FR" dirty="0" err="1"/>
-              <a:t>win</a:t>
-            </a:r>
-            <a:r>
-              <a:rPr lang="fr-FR" dirty="0"/>
-              <a:t> pour 100 000 parties</a:t>
-            </a:r>
-          </a:p>
-          <a:p>
-            <a:r>
-              <a:rPr lang="fr-FR" dirty="0"/>
-              <a:t>SECRET ENV 1</a:t>
-            </a:r>
-          </a:p>
-          <a:p>
-            <a:pPr lvl="1"/>
-            <a:r>
-              <a:rPr lang="fr-FR" dirty="0"/>
-              <a:t>avec  % de </a:t>
-            </a:r>
-            <a:r>
-              <a:rPr lang="fr-FR" dirty="0" err="1"/>
-              <a:t>win</a:t>
-            </a:r>
-            <a:r>
-              <a:rPr lang="fr-FR" dirty="0"/>
-              <a:t> pour 100 000 parties</a:t>
-            </a:r>
-          </a:p>
-          <a:p>
-            <a:r>
-              <a:rPr lang="fr-FR" dirty="0"/>
-              <a:t>SECRET ENV 2</a:t>
+              <a:t>SECRET </a:t>
+            </a:r>
+            <a:r>
+              <a:rPr lang="fr-FR" dirty="0"/>
+              <a:t>ENV 2</a:t>
             </a:r>
           </a:p>
           <a:p>
